--- a/Day2/read-based-analyses.pptx
+++ b/Day2/read-based-analyses.pptx
@@ -5,16 +5,25 @@
     <p:sldMasterId id="2147483648" r:id="rId1"/>
   </p:sldMasterIdLst>
   <p:notesMasterIdLst>
-    <p:notesMasterId r:id="rId9"/>
+    <p:notesMasterId r:id="rId18"/>
   </p:notesMasterIdLst>
   <p:sldIdLst>
     <p:sldId id="256" r:id="rId2"/>
     <p:sldId id="262" r:id="rId3"/>
     <p:sldId id="263" r:id="rId4"/>
     <p:sldId id="264" r:id="rId5"/>
-    <p:sldId id="259" r:id="rId6"/>
-    <p:sldId id="260" r:id="rId7"/>
-    <p:sldId id="258" r:id="rId8"/>
+    <p:sldId id="265" r:id="rId6"/>
+    <p:sldId id="268" r:id="rId7"/>
+    <p:sldId id="269" r:id="rId8"/>
+    <p:sldId id="270" r:id="rId9"/>
+    <p:sldId id="271" r:id="rId10"/>
+    <p:sldId id="273" r:id="rId11"/>
+    <p:sldId id="266" r:id="rId12"/>
+    <p:sldId id="259" r:id="rId13"/>
+    <p:sldId id="260" r:id="rId14"/>
+    <p:sldId id="267" r:id="rId15"/>
+    <p:sldId id="272" r:id="rId16"/>
+    <p:sldId id="258" r:id="rId17"/>
   </p:sldIdLst>
   <p:sldSz cx="12192000" cy="6858000"/>
   <p:notesSz cx="6858000" cy="9144000"/>
@@ -3922,6 +3931,1022 @@
 </p:sld>
 </file>
 
+<file path=ppt/slides/slide10.xml><?xml version="1.0" encoding="utf-8"?>
+<p:sld xmlns:a="http://schemas.openxmlformats.org/drawingml/2006/main" xmlns:r="http://schemas.openxmlformats.org/officeDocument/2006/relationships" xmlns:p="http://schemas.openxmlformats.org/presentationml/2006/main">
+  <p:cSld>
+    <p:spTree>
+      <p:nvGrpSpPr>
+        <p:cNvPr id="1" name=""/>
+        <p:cNvGrpSpPr/>
+        <p:nvPr/>
+      </p:nvGrpSpPr>
+      <p:grpSpPr>
+        <a:xfrm>
+          <a:off x="0" y="0"/>
+          <a:ext cx="0" cy="0"/>
+          <a:chOff x="0" y="0"/>
+          <a:chExt cx="0" cy="0"/>
+        </a:xfrm>
+      </p:grpSpPr>
+      <p:sp>
+        <p:nvSpPr>
+          <p:cNvPr id="2" name="Title 1">
+            <a:extLst>
+              <a:ext uri="{FF2B5EF4-FFF2-40B4-BE49-F238E27FC236}">
+                <a16:creationId xmlns:a16="http://schemas.microsoft.com/office/drawing/2014/main" id="{1225B2DD-75BF-7D41-96D5-A828CA1E3486}"/>
+              </a:ext>
+            </a:extLst>
+          </p:cNvPr>
+          <p:cNvSpPr>
+            <a:spLocks noGrp="1"/>
+          </p:cNvSpPr>
+          <p:nvPr>
+            <p:ph type="title"/>
+          </p:nvPr>
+        </p:nvSpPr>
+        <p:spPr/>
+        <p:txBody>
+          <a:bodyPr/>
+          <a:lstStyle/>
+          <a:p>
+            <a:endParaRPr lang="en-FI"/>
+          </a:p>
+        </p:txBody>
+      </p:sp>
+      <p:sp>
+        <p:nvSpPr>
+          <p:cNvPr id="3" name="Content Placeholder 2">
+            <a:extLst>
+              <a:ext uri="{FF2B5EF4-FFF2-40B4-BE49-F238E27FC236}">
+                <a16:creationId xmlns:a16="http://schemas.microsoft.com/office/drawing/2014/main" id="{4F9FEA05-E1CB-D54C-BB53-DF1346A10DE7}"/>
+              </a:ext>
+            </a:extLst>
+          </p:cNvPr>
+          <p:cNvSpPr>
+            <a:spLocks noGrp="1"/>
+          </p:cNvSpPr>
+          <p:nvPr>
+            <p:ph idx="1"/>
+          </p:nvPr>
+        </p:nvSpPr>
+        <p:spPr/>
+        <p:txBody>
+          <a:bodyPr/>
+          <a:lstStyle/>
+          <a:p>
+            <a:r>
+              <a:rPr lang="en-FI" dirty="0">
+                <a:solidFill>
+                  <a:schemeClr val="accent6"/>
+                </a:solidFill>
+              </a:rPr>
+              <a:t>CONTINUE WITH SECTION 3.5</a:t>
+            </a:r>
+          </a:p>
+        </p:txBody>
+      </p:sp>
+      <p:sp>
+        <p:nvSpPr>
+          <p:cNvPr id="4" name="Slide Number Placeholder 3">
+            <a:extLst>
+              <a:ext uri="{FF2B5EF4-FFF2-40B4-BE49-F238E27FC236}">
+                <a16:creationId xmlns:a16="http://schemas.microsoft.com/office/drawing/2014/main" id="{4D03B155-4379-D34E-A6DF-643D015C304D}"/>
+              </a:ext>
+            </a:extLst>
+          </p:cNvPr>
+          <p:cNvSpPr>
+            <a:spLocks noGrp="1"/>
+          </p:cNvSpPr>
+          <p:nvPr>
+            <p:ph type="sldNum" sz="quarter" idx="12"/>
+          </p:nvPr>
+        </p:nvSpPr>
+        <p:spPr/>
+        <p:txBody>
+          <a:bodyPr/>
+          <a:lstStyle/>
+          <a:p>
+            <a:fld id="{5FC59AFD-CA80-9744-9172-B252E7612A2E}" type="slidenum">
+              <a:rPr lang="en-FI" smtClean="0"/>
+              <a:pPr/>
+              <a:t>10</a:t>
+            </a:fld>
+            <a:endParaRPr lang="en-FI" dirty="0"/>
+          </a:p>
+        </p:txBody>
+      </p:sp>
+    </p:spTree>
+    <p:extLst>
+      <p:ext uri="{BB962C8B-B14F-4D97-AF65-F5344CB8AC3E}">
+        <p14:creationId xmlns:p14="http://schemas.microsoft.com/office/powerpoint/2010/main" val="5058853"/>
+      </p:ext>
+    </p:extLst>
+  </p:cSld>
+  <p:clrMapOvr>
+    <a:masterClrMapping/>
+  </p:clrMapOvr>
+</p:sld>
+</file>
+
+<file path=ppt/slides/slide11.xml><?xml version="1.0" encoding="utf-8"?>
+<p:sld xmlns:a="http://schemas.openxmlformats.org/drawingml/2006/main" xmlns:r="http://schemas.openxmlformats.org/officeDocument/2006/relationships" xmlns:p="http://schemas.openxmlformats.org/presentationml/2006/main">
+  <p:cSld>
+    <p:spTree>
+      <p:nvGrpSpPr>
+        <p:cNvPr id="1" name=""/>
+        <p:cNvGrpSpPr/>
+        <p:nvPr/>
+      </p:nvGrpSpPr>
+      <p:grpSpPr>
+        <a:xfrm>
+          <a:off x="0" y="0"/>
+          <a:ext cx="0" cy="0"/>
+          <a:chOff x="0" y="0"/>
+          <a:chExt cx="0" cy="0"/>
+        </a:xfrm>
+      </p:grpSpPr>
+      <p:sp>
+        <p:nvSpPr>
+          <p:cNvPr id="2" name="Title 1">
+            <a:extLst>
+              <a:ext uri="{FF2B5EF4-FFF2-40B4-BE49-F238E27FC236}">
+                <a16:creationId xmlns:a16="http://schemas.microsoft.com/office/drawing/2014/main" id="{14A1496B-30A1-E041-A670-5164BE07572D}"/>
+              </a:ext>
+            </a:extLst>
+          </p:cNvPr>
+          <p:cNvSpPr>
+            <a:spLocks noGrp="1"/>
+          </p:cNvSpPr>
+          <p:nvPr>
+            <p:ph type="title"/>
+          </p:nvPr>
+        </p:nvSpPr>
+        <p:spPr>
+          <a:xfrm>
+            <a:off x="720000" y="360000"/>
+            <a:ext cx="10800000" cy="1080000"/>
+          </a:xfrm>
+        </p:spPr>
+        <p:txBody>
+          <a:bodyPr/>
+          <a:lstStyle/>
+          <a:p>
+            <a:r>
+              <a:rPr lang="en-FI" dirty="0"/>
+              <a:t>Read- </a:t>
+            </a:r>
+            <a:r>
+              <a:rPr lang="en-FI" i="1" dirty="0"/>
+              <a:t>versus</a:t>
+            </a:r>
+            <a:r>
+              <a:rPr lang="en-FI" dirty="0"/>
+              <a:t> assembly-based analyses</a:t>
+            </a:r>
+          </a:p>
+        </p:txBody>
+      </p:sp>
+      <p:sp>
+        <p:nvSpPr>
+          <p:cNvPr id="4" name="Slide Number Placeholder 3">
+            <a:extLst>
+              <a:ext uri="{FF2B5EF4-FFF2-40B4-BE49-F238E27FC236}">
+                <a16:creationId xmlns:a16="http://schemas.microsoft.com/office/drawing/2014/main" id="{FB6DF5CD-7E4D-E448-92B7-58ACBF2BA8B1}"/>
+              </a:ext>
+            </a:extLst>
+          </p:cNvPr>
+          <p:cNvSpPr>
+            <a:spLocks noGrp="1"/>
+          </p:cNvSpPr>
+          <p:nvPr>
+            <p:ph type="sldNum" sz="quarter" idx="12"/>
+          </p:nvPr>
+        </p:nvSpPr>
+        <p:spPr/>
+        <p:txBody>
+          <a:bodyPr/>
+          <a:lstStyle/>
+          <a:p>
+            <a:fld id="{5FC59AFD-CA80-9744-9172-B252E7612A2E}" type="slidenum">
+              <a:rPr lang="en-FI" smtClean="0"/>
+              <a:pPr/>
+              <a:t>11</a:t>
+            </a:fld>
+            <a:endParaRPr lang="en-FI" dirty="0"/>
+          </a:p>
+        </p:txBody>
+      </p:sp>
+      <p:sp>
+        <p:nvSpPr>
+          <p:cNvPr id="7" name="Content Placeholder 6">
+            <a:extLst>
+              <a:ext uri="{FF2B5EF4-FFF2-40B4-BE49-F238E27FC236}">
+                <a16:creationId xmlns:a16="http://schemas.microsoft.com/office/drawing/2014/main" id="{16DFAC4F-5A00-7D48-B58F-E64FDA9ABE99}"/>
+              </a:ext>
+            </a:extLst>
+          </p:cNvPr>
+          <p:cNvSpPr>
+            <a:spLocks noGrp="1"/>
+          </p:cNvSpPr>
+          <p:nvPr>
+            <p:ph idx="1"/>
+          </p:nvPr>
+        </p:nvSpPr>
+        <p:spPr>
+          <a:xfrm>
+            <a:off x="720000" y="1620000"/>
+            <a:ext cx="7236132" cy="4320000"/>
+          </a:xfrm>
+        </p:spPr>
+        <p:txBody>
+          <a:bodyPr/>
+          <a:lstStyle/>
+          <a:p>
+            <a:pPr marL="0" indent="0">
+              <a:buNone/>
+            </a:pPr>
+            <a:r>
+              <a:rPr lang="en-FI" dirty="0"/>
+              <a:t>Assembly-based analyses</a:t>
+            </a:r>
+          </a:p>
+          <a:p>
+            <a:pPr lvl="1"/>
+            <a:r>
+              <a:rPr lang="en-FI" dirty="0"/>
+              <a:t>Slow</a:t>
+            </a:r>
+          </a:p>
+          <a:p>
+            <a:pPr lvl="1"/>
+            <a:r>
+              <a:rPr lang="en-FI" dirty="0"/>
+              <a:t>Less quantitative</a:t>
+            </a:r>
+          </a:p>
+          <a:p>
+            <a:pPr marL="0" indent="0">
+              <a:buNone/>
+            </a:pPr>
+            <a:r>
+              <a:rPr lang="en-FI" dirty="0">
+                <a:solidFill>
+                  <a:schemeClr val="accent6"/>
+                </a:solidFill>
+              </a:rPr>
+              <a:t> Read section 3.3 in Bengtsson-Palme</a:t>
+            </a:r>
+          </a:p>
+        </p:txBody>
+      </p:sp>
+      <p:pic>
+        <p:nvPicPr>
+          <p:cNvPr id="8" name="Content Placeholder 5">
+            <a:extLst>
+              <a:ext uri="{FF2B5EF4-FFF2-40B4-BE49-F238E27FC236}">
+                <a16:creationId xmlns:a16="http://schemas.microsoft.com/office/drawing/2014/main" id="{DE3C17B6-1998-C14F-B670-DA34DD0E7D6D}"/>
+              </a:ext>
+            </a:extLst>
+          </p:cNvPr>
+          <p:cNvPicPr>
+            <a:picLocks noChangeAspect="1"/>
+          </p:cNvPicPr>
+          <p:nvPr/>
+        </p:nvPicPr>
+        <p:blipFill rotWithShape="1">
+          <a:blip r:embed="rId2"/>
+          <a:srcRect r="50997"/>
+          <a:stretch/>
+        </p:blipFill>
+        <p:spPr>
+          <a:xfrm>
+            <a:off x="7956132" y="1619250"/>
+            <a:ext cx="3563868" cy="4321175"/>
+          </a:xfrm>
+          <a:prstGeom prst="rect">
+            <a:avLst/>
+          </a:prstGeom>
+          <a:effectLst/>
+        </p:spPr>
+      </p:pic>
+      <p:sp>
+        <p:nvSpPr>
+          <p:cNvPr id="10" name="TextBox 9">
+            <a:extLst>
+              <a:ext uri="{FF2B5EF4-FFF2-40B4-BE49-F238E27FC236}">
+                <a16:creationId xmlns:a16="http://schemas.microsoft.com/office/drawing/2014/main" id="{CA1C91CD-FCA8-5848-8685-2047551A820A}"/>
+              </a:ext>
+            </a:extLst>
+          </p:cNvPr>
+          <p:cNvSpPr txBox="1"/>
+          <p:nvPr/>
+        </p:nvSpPr>
+        <p:spPr>
+          <a:xfrm>
+            <a:off x="9941619" y="5940000"/>
+            <a:ext cx="1578381" cy="307777"/>
+          </a:xfrm>
+          <a:prstGeom prst="rect">
+            <a:avLst/>
+          </a:prstGeom>
+          <a:noFill/>
+        </p:spPr>
+        <p:txBody>
+          <a:bodyPr wrap="none" rtlCol="0">
+            <a:spAutoFit/>
+          </a:bodyPr>
+          <a:lstStyle/>
+          <a:p>
+            <a:r>
+              <a:rPr lang="fi-FI" sz="1400" dirty="0" err="1"/>
+              <a:t>Quince</a:t>
+            </a:r>
+            <a:r>
+              <a:rPr lang="fi-FI" sz="1400" dirty="0"/>
+              <a:t> et al. 2017</a:t>
+            </a:r>
+            <a:endParaRPr lang="en-FI" sz="1400" dirty="0"/>
+          </a:p>
+        </p:txBody>
+      </p:sp>
+    </p:spTree>
+    <p:extLst>
+      <p:ext uri="{BB962C8B-B14F-4D97-AF65-F5344CB8AC3E}">
+        <p14:creationId xmlns:p14="http://schemas.microsoft.com/office/powerpoint/2010/main" val="1784374481"/>
+      </p:ext>
+    </p:extLst>
+  </p:cSld>
+  <p:clrMapOvr>
+    <a:masterClrMapping/>
+  </p:clrMapOvr>
+</p:sld>
+</file>
+
+<file path=ppt/slides/slide12.xml><?xml version="1.0" encoding="utf-8"?>
+<p:sld xmlns:a="http://schemas.openxmlformats.org/drawingml/2006/main" xmlns:r="http://schemas.openxmlformats.org/officeDocument/2006/relationships" xmlns:p="http://schemas.openxmlformats.org/presentationml/2006/main">
+  <p:cSld>
+    <p:spTree>
+      <p:nvGrpSpPr>
+        <p:cNvPr id="1" name=""/>
+        <p:cNvGrpSpPr/>
+        <p:nvPr/>
+      </p:nvGrpSpPr>
+      <p:grpSpPr>
+        <a:xfrm>
+          <a:off x="0" y="0"/>
+          <a:ext cx="0" cy="0"/>
+          <a:chOff x="0" y="0"/>
+          <a:chExt cx="0" cy="0"/>
+        </a:xfrm>
+      </p:grpSpPr>
+      <p:sp>
+        <p:nvSpPr>
+          <p:cNvPr id="2" name="Title 1">
+            <a:extLst>
+              <a:ext uri="{FF2B5EF4-FFF2-40B4-BE49-F238E27FC236}">
+                <a16:creationId xmlns:a16="http://schemas.microsoft.com/office/drawing/2014/main" id="{22E2B447-CE45-3C40-9F54-ECB294187A6D}"/>
+              </a:ext>
+            </a:extLst>
+          </p:cNvPr>
+          <p:cNvSpPr>
+            <a:spLocks noGrp="1"/>
+          </p:cNvSpPr>
+          <p:nvPr>
+            <p:ph type="title"/>
+          </p:nvPr>
+        </p:nvSpPr>
+        <p:spPr/>
+        <p:txBody>
+          <a:bodyPr/>
+          <a:lstStyle/>
+          <a:p>
+            <a:r>
+              <a:rPr lang="en-FI" dirty="0"/>
+              <a:t>MEGAN</a:t>
+            </a:r>
+          </a:p>
+        </p:txBody>
+      </p:sp>
+      <p:sp>
+        <p:nvSpPr>
+          <p:cNvPr id="3" name="Content Placeholder 2">
+            <a:extLst>
+              <a:ext uri="{FF2B5EF4-FFF2-40B4-BE49-F238E27FC236}">
+                <a16:creationId xmlns:a16="http://schemas.microsoft.com/office/drawing/2014/main" id="{06FBD2D3-C431-0F47-8071-5CDB439D65AC}"/>
+              </a:ext>
+            </a:extLst>
+          </p:cNvPr>
+          <p:cNvSpPr>
+            <a:spLocks noGrp="1"/>
+          </p:cNvSpPr>
+          <p:nvPr>
+            <p:ph idx="1"/>
+          </p:nvPr>
+        </p:nvSpPr>
+        <p:spPr/>
+        <p:txBody>
+          <a:bodyPr/>
+          <a:lstStyle/>
+          <a:p>
+            <a:r>
+              <a:rPr lang="en-FI" dirty="0"/>
+              <a:t>DO a walkthrough with one sample</a:t>
+            </a:r>
+          </a:p>
+          <a:p>
+            <a:r>
+              <a:rPr lang="en-FI" dirty="0"/>
+              <a:t>Then they will do the other 4</a:t>
+            </a:r>
+          </a:p>
+        </p:txBody>
+      </p:sp>
+      <p:sp>
+        <p:nvSpPr>
+          <p:cNvPr id="4" name="Slide Number Placeholder 3">
+            <a:extLst>
+              <a:ext uri="{FF2B5EF4-FFF2-40B4-BE49-F238E27FC236}">
+                <a16:creationId xmlns:a16="http://schemas.microsoft.com/office/drawing/2014/main" id="{B7B6CA03-ECEC-BC47-A332-3D9673FD400E}"/>
+              </a:ext>
+            </a:extLst>
+          </p:cNvPr>
+          <p:cNvSpPr>
+            <a:spLocks noGrp="1"/>
+          </p:cNvSpPr>
+          <p:nvPr>
+            <p:ph type="sldNum" sz="quarter" idx="12"/>
+          </p:nvPr>
+        </p:nvSpPr>
+        <p:spPr/>
+        <p:txBody>
+          <a:bodyPr/>
+          <a:lstStyle/>
+          <a:p>
+            <a:fld id="{5FC59AFD-CA80-9744-9172-B252E7612A2E}" type="slidenum">
+              <a:rPr lang="en-FI" smtClean="0"/>
+              <a:pPr/>
+              <a:t>12</a:t>
+            </a:fld>
+            <a:endParaRPr lang="en-FI" dirty="0"/>
+          </a:p>
+        </p:txBody>
+      </p:sp>
+    </p:spTree>
+    <p:extLst>
+      <p:ext uri="{BB962C8B-B14F-4D97-AF65-F5344CB8AC3E}">
+        <p14:creationId xmlns:p14="http://schemas.microsoft.com/office/powerpoint/2010/main" val="3445636372"/>
+      </p:ext>
+    </p:extLst>
+  </p:cSld>
+  <p:clrMapOvr>
+    <a:masterClrMapping/>
+  </p:clrMapOvr>
+</p:sld>
+</file>
+
+<file path=ppt/slides/slide13.xml><?xml version="1.0" encoding="utf-8"?>
+<p:sld xmlns:a="http://schemas.openxmlformats.org/drawingml/2006/main" xmlns:r="http://schemas.openxmlformats.org/officeDocument/2006/relationships" xmlns:p="http://schemas.openxmlformats.org/presentationml/2006/main">
+  <p:cSld>
+    <p:spTree>
+      <p:nvGrpSpPr>
+        <p:cNvPr id="1" name=""/>
+        <p:cNvGrpSpPr/>
+        <p:nvPr/>
+      </p:nvGrpSpPr>
+      <p:grpSpPr>
+        <a:xfrm>
+          <a:off x="0" y="0"/>
+          <a:ext cx="0" cy="0"/>
+          <a:chOff x="0" y="0"/>
+          <a:chExt cx="0" cy="0"/>
+        </a:xfrm>
+      </p:grpSpPr>
+      <p:sp>
+        <p:nvSpPr>
+          <p:cNvPr id="2" name="Title 1">
+            <a:extLst>
+              <a:ext uri="{FF2B5EF4-FFF2-40B4-BE49-F238E27FC236}">
+                <a16:creationId xmlns:a16="http://schemas.microsoft.com/office/drawing/2014/main" id="{B5AA065D-4884-E04B-BB6B-B688D8B7DC0C}"/>
+              </a:ext>
+            </a:extLst>
+          </p:cNvPr>
+          <p:cNvSpPr>
+            <a:spLocks noGrp="1"/>
+          </p:cNvSpPr>
+          <p:nvPr>
+            <p:ph type="title"/>
+          </p:nvPr>
+        </p:nvSpPr>
+        <p:spPr/>
+        <p:txBody>
+          <a:bodyPr/>
+          <a:lstStyle/>
+          <a:p>
+            <a:r>
+              <a:rPr lang="en-FI" dirty="0"/>
+              <a:t>Other alternatives</a:t>
+            </a:r>
+          </a:p>
+        </p:txBody>
+      </p:sp>
+      <p:sp>
+        <p:nvSpPr>
+          <p:cNvPr id="3" name="Content Placeholder 2">
+            <a:extLst>
+              <a:ext uri="{FF2B5EF4-FFF2-40B4-BE49-F238E27FC236}">
+                <a16:creationId xmlns:a16="http://schemas.microsoft.com/office/drawing/2014/main" id="{2921E877-47F4-9649-89C0-3EEAA4E2384F}"/>
+              </a:ext>
+            </a:extLst>
+          </p:cNvPr>
+          <p:cNvSpPr>
+            <a:spLocks noGrp="1"/>
+          </p:cNvSpPr>
+          <p:nvPr>
+            <p:ph idx="1"/>
+          </p:nvPr>
+        </p:nvSpPr>
+        <p:spPr/>
+        <p:txBody>
+          <a:bodyPr/>
+          <a:lstStyle/>
+          <a:p>
+            <a:r>
+              <a:rPr lang="en-FI" dirty="0"/>
+              <a:t>Humann</a:t>
+            </a:r>
+          </a:p>
+          <a:p>
+            <a:r>
+              <a:rPr lang="en-FI" dirty="0"/>
+              <a:t>Metaphlan</a:t>
+            </a:r>
+          </a:p>
+        </p:txBody>
+      </p:sp>
+      <p:sp>
+        <p:nvSpPr>
+          <p:cNvPr id="4" name="Slide Number Placeholder 3">
+            <a:extLst>
+              <a:ext uri="{FF2B5EF4-FFF2-40B4-BE49-F238E27FC236}">
+                <a16:creationId xmlns:a16="http://schemas.microsoft.com/office/drawing/2014/main" id="{56F4EE68-7C1A-6E4E-943E-4509F0D06502}"/>
+              </a:ext>
+            </a:extLst>
+          </p:cNvPr>
+          <p:cNvSpPr>
+            <a:spLocks noGrp="1"/>
+          </p:cNvSpPr>
+          <p:nvPr>
+            <p:ph type="sldNum" sz="quarter" idx="12"/>
+          </p:nvPr>
+        </p:nvSpPr>
+        <p:spPr/>
+        <p:txBody>
+          <a:bodyPr/>
+          <a:lstStyle/>
+          <a:p>
+            <a:fld id="{5FC59AFD-CA80-9744-9172-B252E7612A2E}" type="slidenum">
+              <a:rPr lang="en-FI" smtClean="0"/>
+              <a:pPr/>
+              <a:t>13</a:t>
+            </a:fld>
+            <a:endParaRPr lang="en-FI" dirty="0"/>
+          </a:p>
+        </p:txBody>
+      </p:sp>
+    </p:spTree>
+    <p:extLst>
+      <p:ext uri="{BB962C8B-B14F-4D97-AF65-F5344CB8AC3E}">
+        <p14:creationId xmlns:p14="http://schemas.microsoft.com/office/powerpoint/2010/main" val="4060858736"/>
+      </p:ext>
+    </p:extLst>
+  </p:cSld>
+  <p:clrMapOvr>
+    <a:masterClrMapping/>
+  </p:clrMapOvr>
+</p:sld>
+</file>
+
+<file path=ppt/slides/slide14.xml><?xml version="1.0" encoding="utf-8"?>
+<p:sld xmlns:a="http://schemas.openxmlformats.org/drawingml/2006/main" xmlns:r="http://schemas.openxmlformats.org/officeDocument/2006/relationships" xmlns:p="http://schemas.openxmlformats.org/presentationml/2006/main">
+  <p:cSld>
+    <p:spTree>
+      <p:nvGrpSpPr>
+        <p:cNvPr id="1" name=""/>
+        <p:cNvGrpSpPr/>
+        <p:nvPr/>
+      </p:nvGrpSpPr>
+      <p:grpSpPr>
+        <a:xfrm>
+          <a:off x="0" y="0"/>
+          <a:ext cx="0" cy="0"/>
+          <a:chOff x="0" y="0"/>
+          <a:chExt cx="0" cy="0"/>
+        </a:xfrm>
+      </p:grpSpPr>
+      <p:sp>
+        <p:nvSpPr>
+          <p:cNvPr id="2" name="Title 1">
+            <a:extLst>
+              <a:ext uri="{FF2B5EF4-FFF2-40B4-BE49-F238E27FC236}">
+                <a16:creationId xmlns:a16="http://schemas.microsoft.com/office/drawing/2014/main" id="{B3B40D9C-AF16-6243-B1F3-EB3157E6D1BD}"/>
+              </a:ext>
+            </a:extLst>
+          </p:cNvPr>
+          <p:cNvSpPr>
+            <a:spLocks noGrp="1"/>
+          </p:cNvSpPr>
+          <p:nvPr>
+            <p:ph type="title"/>
+          </p:nvPr>
+        </p:nvSpPr>
+        <p:spPr/>
+        <p:txBody>
+          <a:bodyPr/>
+          <a:lstStyle/>
+          <a:p>
+            <a:r>
+              <a:rPr lang="en-FI" dirty="0"/>
+              <a:t>MEGAN walkthrough</a:t>
+            </a:r>
+          </a:p>
+        </p:txBody>
+      </p:sp>
+      <p:sp>
+        <p:nvSpPr>
+          <p:cNvPr id="3" name="Content Placeholder 2">
+            <a:extLst>
+              <a:ext uri="{FF2B5EF4-FFF2-40B4-BE49-F238E27FC236}">
+                <a16:creationId xmlns:a16="http://schemas.microsoft.com/office/drawing/2014/main" id="{A074AE30-F4FD-BB4B-95CF-CCCAE64799D7}"/>
+              </a:ext>
+            </a:extLst>
+          </p:cNvPr>
+          <p:cNvSpPr>
+            <a:spLocks noGrp="1"/>
+          </p:cNvSpPr>
+          <p:nvPr>
+            <p:ph idx="1"/>
+          </p:nvPr>
+        </p:nvSpPr>
+        <p:spPr/>
+        <p:txBody>
+          <a:bodyPr/>
+          <a:lstStyle/>
+          <a:p>
+            <a:r>
+              <a:rPr lang="en-FI" dirty="0"/>
+              <a:t>Install MEGAN6 in your computer</a:t>
+            </a:r>
+          </a:p>
+          <a:p>
+            <a:pPr lvl="1"/>
+            <a:r>
+              <a:rPr lang="en-GB" dirty="0">
+                <a:hlinkClick r:id="rId2"/>
+              </a:rPr>
+              <a:t>https://software-ab.informatik.uni-tuebingen.de/download/megan6/welcome.html</a:t>
+            </a:r>
+            <a:endParaRPr lang="en-GB" dirty="0"/>
+          </a:p>
+          <a:p>
+            <a:r>
+              <a:rPr lang="en-FI" dirty="0"/>
+              <a:t>Preparing the data (launched yesterday):</a:t>
+            </a:r>
+          </a:p>
+          <a:p>
+            <a:pPr lvl="1"/>
+            <a:r>
+              <a:rPr lang="en-FI" dirty="0"/>
+              <a:t>Subsample reads with SEQTK</a:t>
+            </a:r>
+          </a:p>
+          <a:p>
+            <a:pPr lvl="1"/>
+            <a:r>
+              <a:rPr lang="en-FI" dirty="0"/>
+              <a:t>Sequence similarity against NCBI nr (DIAMOND blastx)</a:t>
+            </a:r>
+          </a:p>
+          <a:p>
+            <a:pPr lvl="1"/>
+            <a:r>
+              <a:rPr lang="en-FI" dirty="0"/>
+              <a:t>Run MEGAN within the cluster to parse the DIAMOND results against taxonomic (NCBI and GTDB) and functional databases (EC, EGGNOG, INTERPRO2GO, SEED)</a:t>
+            </a:r>
+          </a:p>
+        </p:txBody>
+      </p:sp>
+      <p:sp>
+        <p:nvSpPr>
+          <p:cNvPr id="4" name="Slide Number Placeholder 3">
+            <a:extLst>
+              <a:ext uri="{FF2B5EF4-FFF2-40B4-BE49-F238E27FC236}">
+                <a16:creationId xmlns:a16="http://schemas.microsoft.com/office/drawing/2014/main" id="{BBC9CE98-E8B2-254A-B374-660AF7CA0BC8}"/>
+              </a:ext>
+            </a:extLst>
+          </p:cNvPr>
+          <p:cNvSpPr>
+            <a:spLocks noGrp="1"/>
+          </p:cNvSpPr>
+          <p:nvPr>
+            <p:ph type="sldNum" sz="quarter" idx="12"/>
+          </p:nvPr>
+        </p:nvSpPr>
+        <p:spPr/>
+        <p:txBody>
+          <a:bodyPr/>
+          <a:lstStyle/>
+          <a:p>
+            <a:fld id="{5FC59AFD-CA80-9744-9172-B252E7612A2E}" type="slidenum">
+              <a:rPr lang="en-FI" smtClean="0"/>
+              <a:pPr/>
+              <a:t>14</a:t>
+            </a:fld>
+            <a:endParaRPr lang="en-FI" dirty="0"/>
+          </a:p>
+        </p:txBody>
+      </p:sp>
+    </p:spTree>
+    <p:extLst>
+      <p:ext uri="{BB962C8B-B14F-4D97-AF65-F5344CB8AC3E}">
+        <p14:creationId xmlns:p14="http://schemas.microsoft.com/office/powerpoint/2010/main" val="2832566992"/>
+      </p:ext>
+    </p:extLst>
+  </p:cSld>
+  <p:clrMapOvr>
+    <a:masterClrMapping/>
+  </p:clrMapOvr>
+</p:sld>
+</file>
+
+<file path=ppt/slides/slide15.xml><?xml version="1.0" encoding="utf-8"?>
+<p:sld xmlns:a="http://schemas.openxmlformats.org/drawingml/2006/main" xmlns:r="http://schemas.openxmlformats.org/officeDocument/2006/relationships" xmlns:p="http://schemas.openxmlformats.org/presentationml/2006/main">
+  <p:cSld>
+    <p:spTree>
+      <p:nvGrpSpPr>
+        <p:cNvPr id="1" name=""/>
+        <p:cNvGrpSpPr/>
+        <p:nvPr/>
+      </p:nvGrpSpPr>
+      <p:grpSpPr>
+        <a:xfrm>
+          <a:off x="0" y="0"/>
+          <a:ext cx="0" cy="0"/>
+          <a:chOff x="0" y="0"/>
+          <a:chExt cx="0" cy="0"/>
+        </a:xfrm>
+      </p:grpSpPr>
+      <p:sp>
+        <p:nvSpPr>
+          <p:cNvPr id="2" name="Title 1">
+            <a:extLst>
+              <a:ext uri="{FF2B5EF4-FFF2-40B4-BE49-F238E27FC236}">
+                <a16:creationId xmlns:a16="http://schemas.microsoft.com/office/drawing/2014/main" id="{CC0C4B58-2D1A-2F45-881B-8942B997CA59}"/>
+              </a:ext>
+            </a:extLst>
+          </p:cNvPr>
+          <p:cNvSpPr>
+            <a:spLocks noGrp="1"/>
+          </p:cNvSpPr>
+          <p:nvPr>
+            <p:ph type="title"/>
+          </p:nvPr>
+        </p:nvSpPr>
+        <p:spPr/>
+        <p:txBody>
+          <a:bodyPr/>
+          <a:lstStyle/>
+          <a:p>
+            <a:r>
+              <a:rPr lang="en-FI" dirty="0"/>
+              <a:t>MEGAN walkthrough</a:t>
+            </a:r>
+          </a:p>
+        </p:txBody>
+      </p:sp>
+      <p:sp>
+        <p:nvSpPr>
+          <p:cNvPr id="3" name="Content Placeholder 2">
+            <a:extLst>
+              <a:ext uri="{FF2B5EF4-FFF2-40B4-BE49-F238E27FC236}">
+                <a16:creationId xmlns:a16="http://schemas.microsoft.com/office/drawing/2014/main" id="{5883A1FE-C34B-BB44-808A-85DAD0D1E1A6}"/>
+              </a:ext>
+            </a:extLst>
+          </p:cNvPr>
+          <p:cNvSpPr>
+            <a:spLocks noGrp="1"/>
+          </p:cNvSpPr>
+          <p:nvPr>
+            <p:ph idx="1"/>
+          </p:nvPr>
+        </p:nvSpPr>
+        <p:spPr/>
+        <p:txBody>
+          <a:bodyPr/>
+          <a:lstStyle/>
+          <a:p>
+            <a:r>
+              <a:rPr lang="en-FI" dirty="0"/>
+              <a:t>Let’s do one sample together</a:t>
+            </a:r>
+          </a:p>
+        </p:txBody>
+      </p:sp>
+      <p:sp>
+        <p:nvSpPr>
+          <p:cNvPr id="4" name="Slide Number Placeholder 3">
+            <a:extLst>
+              <a:ext uri="{FF2B5EF4-FFF2-40B4-BE49-F238E27FC236}">
+                <a16:creationId xmlns:a16="http://schemas.microsoft.com/office/drawing/2014/main" id="{66AC3F34-8074-344C-BE2B-CDB6B26D2C20}"/>
+              </a:ext>
+            </a:extLst>
+          </p:cNvPr>
+          <p:cNvSpPr>
+            <a:spLocks noGrp="1"/>
+          </p:cNvSpPr>
+          <p:nvPr>
+            <p:ph type="sldNum" sz="quarter" idx="12"/>
+          </p:nvPr>
+        </p:nvSpPr>
+        <p:spPr/>
+        <p:txBody>
+          <a:bodyPr/>
+          <a:lstStyle/>
+          <a:p>
+            <a:fld id="{5FC59AFD-CA80-9744-9172-B252E7612A2E}" type="slidenum">
+              <a:rPr lang="en-FI" smtClean="0"/>
+              <a:pPr/>
+              <a:t>15</a:t>
+            </a:fld>
+            <a:endParaRPr lang="en-FI" dirty="0"/>
+          </a:p>
+        </p:txBody>
+      </p:sp>
+    </p:spTree>
+    <p:extLst>
+      <p:ext uri="{BB962C8B-B14F-4D97-AF65-F5344CB8AC3E}">
+        <p14:creationId xmlns:p14="http://schemas.microsoft.com/office/powerpoint/2010/main" val="4034427529"/>
+      </p:ext>
+    </p:extLst>
+  </p:cSld>
+  <p:clrMapOvr>
+    <a:masterClrMapping/>
+  </p:clrMapOvr>
+</p:sld>
+</file>
+
+<file path=ppt/slides/slide16.xml><?xml version="1.0" encoding="utf-8"?>
+<p:sld xmlns:a="http://schemas.openxmlformats.org/drawingml/2006/main" xmlns:r="http://schemas.openxmlformats.org/officeDocument/2006/relationships" xmlns:p="http://schemas.openxmlformats.org/presentationml/2006/main">
+  <p:cSld>
+    <p:spTree>
+      <p:nvGrpSpPr>
+        <p:cNvPr id="1" name=""/>
+        <p:cNvGrpSpPr/>
+        <p:nvPr/>
+      </p:nvGrpSpPr>
+      <p:grpSpPr>
+        <a:xfrm>
+          <a:off x="0" y="0"/>
+          <a:ext cx="0" cy="0"/>
+          <a:chOff x="0" y="0"/>
+          <a:chExt cx="0" cy="0"/>
+        </a:xfrm>
+      </p:grpSpPr>
+      <p:sp>
+        <p:nvSpPr>
+          <p:cNvPr id="2" name="Title 1">
+            <a:extLst>
+              <a:ext uri="{FF2B5EF4-FFF2-40B4-BE49-F238E27FC236}">
+                <a16:creationId xmlns:a16="http://schemas.microsoft.com/office/drawing/2014/main" id="{8583A7C9-C689-AD44-94C5-F877F200184A}"/>
+              </a:ext>
+            </a:extLst>
+          </p:cNvPr>
+          <p:cNvSpPr>
+            <a:spLocks noGrp="1"/>
+          </p:cNvSpPr>
+          <p:nvPr>
+            <p:ph type="title"/>
+          </p:nvPr>
+        </p:nvSpPr>
+        <p:spPr/>
+        <p:txBody>
+          <a:bodyPr/>
+          <a:lstStyle/>
+          <a:p>
+            <a:r>
+              <a:rPr lang="en-FI" dirty="0"/>
+              <a:t>Further reading</a:t>
+            </a:r>
+          </a:p>
+        </p:txBody>
+      </p:sp>
+      <p:sp>
+        <p:nvSpPr>
+          <p:cNvPr id="3" name="Content Placeholder 2">
+            <a:extLst>
+              <a:ext uri="{FF2B5EF4-FFF2-40B4-BE49-F238E27FC236}">
+                <a16:creationId xmlns:a16="http://schemas.microsoft.com/office/drawing/2014/main" id="{3F478DDA-13F1-C64B-8F00-08C16CF85BF1}"/>
+              </a:ext>
+            </a:extLst>
+          </p:cNvPr>
+          <p:cNvSpPr>
+            <a:spLocks noGrp="1"/>
+          </p:cNvSpPr>
+          <p:nvPr>
+            <p:ph idx="1"/>
+          </p:nvPr>
+        </p:nvSpPr>
+        <p:spPr/>
+        <p:txBody>
+          <a:bodyPr/>
+          <a:lstStyle/>
+          <a:p>
+            <a:r>
+              <a:rPr lang="en-GB" dirty="0">
+                <a:hlinkClick r:id="rId2"/>
+              </a:rPr>
+              <a:t>https://www.nature.com/articles/nbt.3935</a:t>
+            </a:r>
+            <a:endParaRPr lang="en-GB" dirty="0"/>
+          </a:p>
+          <a:p>
+            <a:r>
+              <a:rPr lang="en-GB" dirty="0">
+                <a:hlinkClick r:id="rId3"/>
+              </a:rPr>
+              <a:t>https://www.sciencedirect.com/science/article/pii/B9780081022689000033</a:t>
+            </a:r>
+            <a:r>
+              <a:rPr lang="en-GB" dirty="0"/>
+              <a:t> </a:t>
+            </a:r>
+          </a:p>
+          <a:p>
+            <a:endParaRPr lang="en-GB" dirty="0"/>
+          </a:p>
+          <a:p>
+            <a:r>
+              <a:rPr lang="en-GB" dirty="0"/>
+              <a:t>If you don’t have access to these, let me know</a:t>
+            </a:r>
+          </a:p>
+          <a:p>
+            <a:pPr lvl="1"/>
+            <a:r>
+              <a:rPr lang="en-GB" dirty="0" err="1"/>
+              <a:t>SciHub</a:t>
+            </a:r>
+            <a:r>
+              <a:rPr lang="en-GB" dirty="0"/>
+              <a:t>, cough cough</a:t>
+            </a:r>
+            <a:endParaRPr lang="en-FI" dirty="0"/>
+          </a:p>
+        </p:txBody>
+      </p:sp>
+      <p:sp>
+        <p:nvSpPr>
+          <p:cNvPr id="4" name="Slide Number Placeholder 3">
+            <a:extLst>
+              <a:ext uri="{FF2B5EF4-FFF2-40B4-BE49-F238E27FC236}">
+                <a16:creationId xmlns:a16="http://schemas.microsoft.com/office/drawing/2014/main" id="{26ED56FC-E1B8-8F49-8995-A2568B892DA6}"/>
+              </a:ext>
+            </a:extLst>
+          </p:cNvPr>
+          <p:cNvSpPr>
+            <a:spLocks noGrp="1"/>
+          </p:cNvSpPr>
+          <p:nvPr>
+            <p:ph type="sldNum" sz="quarter" idx="12"/>
+          </p:nvPr>
+        </p:nvSpPr>
+        <p:spPr/>
+        <p:txBody>
+          <a:bodyPr/>
+          <a:lstStyle/>
+          <a:p>
+            <a:fld id="{5FC59AFD-CA80-9744-9172-B252E7612A2E}" type="slidenum">
+              <a:rPr lang="en-FI" smtClean="0"/>
+              <a:pPr/>
+              <a:t>16</a:t>
+            </a:fld>
+            <a:endParaRPr lang="en-FI" dirty="0"/>
+          </a:p>
+        </p:txBody>
+      </p:sp>
+    </p:spTree>
+    <p:extLst>
+      <p:ext uri="{BB962C8B-B14F-4D97-AF65-F5344CB8AC3E}">
+        <p14:creationId xmlns:p14="http://schemas.microsoft.com/office/powerpoint/2010/main" val="4252474695"/>
+      </p:ext>
+    </p:extLst>
+  </p:cSld>
+  <p:clrMapOvr>
+    <a:masterClrMapping/>
+  </p:clrMapOvr>
+</p:sld>
+</file>
+
 <file path=ppt/slides/slide2.xml><?xml version="1.0" encoding="utf-8"?>
 <p:sld xmlns:a="http://schemas.openxmlformats.org/drawingml/2006/main" xmlns:r="http://schemas.openxmlformats.org/officeDocument/2006/relationships" xmlns:p="http://schemas.openxmlformats.org/presentationml/2006/main">
   <p:cSld>
@@ -3962,7 +4987,15 @@
           <a:p>
             <a:r>
               <a:rPr lang="en-FI" dirty="0"/>
-              <a:t>Read- vs. assembly-based</a:t>
+              <a:t>Read- </a:t>
+            </a:r>
+            <a:r>
+              <a:rPr lang="en-FI" i="1" dirty="0"/>
+              <a:t>versus</a:t>
+            </a:r>
+            <a:r>
+              <a:rPr lang="en-FI" dirty="0"/>
+              <a:t> assembly-based analyses</a:t>
             </a:r>
           </a:p>
         </p:txBody>
@@ -4016,7 +5049,7 @@
         <p:spPr>
           <a:xfrm>
             <a:off x="720000" y="1620000"/>
-            <a:ext cx="3527278" cy="4320000"/>
+            <a:ext cx="7224724" cy="4320000"/>
           </a:xfrm>
         </p:spPr>
         <p:txBody>
@@ -4028,7 +5061,7 @@
             </a:pPr>
             <a:r>
               <a:rPr lang="en-FI" dirty="0"/>
-              <a:t>Read-based analyses</a:t>
+              <a:t>Read-based profiling</a:t>
             </a:r>
           </a:p>
           <a:p>
@@ -4042,7 +5075,7 @@
             <a:pPr lvl="1"/>
             <a:r>
               <a:rPr lang="en-FI" dirty="0"/>
-              <a:t>Comprehensive</a:t>
+              <a:t>Quantitative</a:t>
             </a:r>
           </a:p>
           <a:p>
@@ -4050,6 +5083,27 @@
             <a:r>
               <a:rPr lang="en-FI" dirty="0"/>
               <a:t>Limited</a:t>
+            </a:r>
+          </a:p>
+          <a:p>
+            <a:pPr lvl="1"/>
+            <a:r>
+              <a:rPr lang="en-FI" dirty="0"/>
+              <a:t>Somewhat outdated (assembly-based are preferred)</a:t>
+            </a:r>
+          </a:p>
+          <a:p>
+            <a:pPr lvl="1"/>
+            <a:r>
+              <a:rPr lang="en-FI" dirty="0"/>
+              <a:t>Can give interesting preliminary insights</a:t>
+            </a:r>
+          </a:p>
+          <a:p>
+            <a:pPr lvl="1"/>
+            <a:r>
+              <a:rPr lang="en-FI" dirty="0"/>
+              <a:t>Usually done as a ”quick-and-dirty” estimate prior to assembly</a:t>
             </a:r>
           </a:p>
         </p:txBody>
@@ -4070,12 +5124,13 @@
         </p:nvPicPr>
         <p:blipFill rotWithShape="1">
           <a:blip r:embed="rId2"/>
+          <a:srcRect l="50840"/>
           <a:stretch/>
         </p:blipFill>
         <p:spPr>
           <a:xfrm>
-            <a:off x="4247278" y="1619250"/>
-            <a:ext cx="7272722" cy="4321175"/>
+            <a:off x="7944724" y="1619250"/>
+            <a:ext cx="3575276" cy="4321175"/>
           </a:xfrm>
           <a:prstGeom prst="rect">
             <a:avLst/>
@@ -4083,6 +5138,46 @@
           <a:effectLst/>
         </p:spPr>
       </p:pic>
+      <p:sp>
+        <p:nvSpPr>
+          <p:cNvPr id="9" name="TextBox 8">
+            <a:extLst>
+              <a:ext uri="{FF2B5EF4-FFF2-40B4-BE49-F238E27FC236}">
+                <a16:creationId xmlns:a16="http://schemas.microsoft.com/office/drawing/2014/main" id="{7484667E-61AE-CC4C-A024-94D16791F4D2}"/>
+              </a:ext>
+            </a:extLst>
+          </p:cNvPr>
+          <p:cNvSpPr txBox="1"/>
+          <p:nvPr/>
+        </p:nvSpPr>
+        <p:spPr>
+          <a:xfrm>
+            <a:off x="9941619" y="5940000"/>
+            <a:ext cx="1578381" cy="307777"/>
+          </a:xfrm>
+          <a:prstGeom prst="rect">
+            <a:avLst/>
+          </a:prstGeom>
+          <a:noFill/>
+        </p:spPr>
+        <p:txBody>
+          <a:bodyPr wrap="none" rtlCol="0">
+            <a:spAutoFit/>
+          </a:bodyPr>
+          <a:lstStyle/>
+          <a:p>
+            <a:r>
+              <a:rPr lang="fi-FI" sz="1400" dirty="0" err="1"/>
+              <a:t>Quince</a:t>
+            </a:r>
+            <a:r>
+              <a:rPr lang="fi-FI" sz="1400" dirty="0"/>
+              <a:t> et al. 2017</a:t>
+            </a:r>
+            <a:endParaRPr lang="en-FI" sz="1400" dirty="0"/>
+          </a:p>
+        </p:txBody>
+      </p:sp>
     </p:spTree>
     <p:extLst>
       <p:ext uri="{BB962C8B-B14F-4D97-AF65-F5344CB8AC3E}">
@@ -4218,7 +5313,7 @@
             <a:pPr lvl="1"/>
             <a:r>
               <a:rPr lang="en-FI" dirty="0"/>
-              <a:t>All reads</a:t>
+              <a:t>Analysis of all reads</a:t>
             </a:r>
           </a:p>
           <a:p>
@@ -4282,6 +5377,45 @@
           </a:prstGeom>
         </p:spPr>
       </p:pic>
+      <p:sp>
+        <p:nvSpPr>
+          <p:cNvPr id="9" name="TextBox 8">
+            <a:extLst>
+              <a:ext uri="{FF2B5EF4-FFF2-40B4-BE49-F238E27FC236}">
+                <a16:creationId xmlns:a16="http://schemas.microsoft.com/office/drawing/2014/main" id="{7E77B43A-C5AF-5B47-8FFF-4C8B0BAF71E0}"/>
+              </a:ext>
+            </a:extLst>
+          </p:cNvPr>
+          <p:cNvSpPr txBox="1"/>
+          <p:nvPr/>
+        </p:nvSpPr>
+        <p:spPr>
+          <a:xfrm>
+            <a:off x="10182476" y="0"/>
+            <a:ext cx="2009524" cy="307777"/>
+          </a:xfrm>
+          <a:prstGeom prst="rect">
+            <a:avLst/>
+          </a:prstGeom>
+          <a:noFill/>
+        </p:spPr>
+        <p:txBody>
+          <a:bodyPr wrap="none" rtlCol="0">
+            <a:spAutoFit/>
+          </a:bodyPr>
+          <a:lstStyle/>
+          <a:p>
+            <a:r>
+              <a:rPr lang="en-GB" sz="1400" dirty="0"/>
+              <a:t>B</a:t>
+            </a:r>
+            <a:r>
+              <a:rPr lang="en-FI" sz="1400" dirty="0"/>
+              <a:t>engtsson-Palme, 2018</a:t>
+            </a:r>
+          </a:p>
+        </p:txBody>
+      </p:sp>
     </p:spTree>
     <p:extLst>
       <p:ext uri="{BB962C8B-B14F-4D97-AF65-F5344CB8AC3E}">
@@ -4400,62 +5534,38 @@
           </a:xfrm>
         </p:spPr>
         <p:txBody>
-          <a:bodyPr>
-            <a:normAutofit lnSpcReduction="10000"/>
+          <a:bodyPr anchor="ctr">
+            <a:normAutofit/>
           </a:bodyPr>
           <a:lstStyle/>
           <a:p>
-            <a:r>
-              <a:rPr lang="en-FI" dirty="0"/>
-              <a:t>Read mapping and compositional binning</a:t>
+            <a:pPr marL="0" indent="0">
+              <a:buNone/>
+            </a:pPr>
+            <a:r>
+              <a:rPr lang="en-FI" dirty="0"/>
+              <a:t>Barcode sequence analysis</a:t>
             </a:r>
           </a:p>
           <a:p>
             <a:pPr lvl="1"/>
             <a:r>
               <a:rPr lang="en-FI" dirty="0"/>
-              <a:t>Reference database of sequenced genomes</a:t>
+              <a:t>Analysis of specific barcode genes (e.g. 16S rRNA)</a:t>
             </a:r>
           </a:p>
           <a:p>
             <a:pPr lvl="1"/>
             <a:r>
               <a:rPr lang="en-FI" dirty="0"/>
-              <a:t>Mapping: slow, requires lots of CPU and RAM</a:t>
+              <a:t>Curate database of barcode sequences (e.g. SILVA)</a:t>
             </a:r>
           </a:p>
           <a:p>
             <a:pPr lvl="1"/>
             <a:r>
               <a:rPr lang="en-FI" dirty="0"/>
-              <a:t>Compositional binning: faster but less accurate</a:t>
-            </a:r>
-          </a:p>
-          <a:p>
-            <a:r>
-              <a:rPr lang="en-FI" dirty="0"/>
-              <a:t>Barcoding</a:t>
-            </a:r>
-          </a:p>
-          <a:p>
-            <a:pPr lvl="1"/>
-            <a:r>
-              <a:rPr lang="en-FI" dirty="0"/>
-              <a:t>Specific genes (e.g. 16S rRNA)</a:t>
-            </a:r>
-          </a:p>
-          <a:p>
-            <a:pPr lvl="1"/>
-            <a:r>
-              <a:rPr lang="en-FI" dirty="0"/>
-              <a:t>Better databases (e.g. SILVA)</a:t>
-            </a:r>
-          </a:p>
-          <a:p>
-            <a:pPr lvl="1"/>
-            <a:r>
-              <a:rPr lang="en-FI" dirty="0"/>
-              <a:t>Much faster, but more limited</a:t>
+              <a:t>Much faster than the other approaches, but provides lower resolution</a:t>
             </a:r>
           </a:p>
         </p:txBody>
@@ -4490,6 +5600,45 @@
           </a:prstGeom>
         </p:spPr>
       </p:pic>
+      <p:sp>
+        <p:nvSpPr>
+          <p:cNvPr id="6" name="TextBox 5">
+            <a:extLst>
+              <a:ext uri="{FF2B5EF4-FFF2-40B4-BE49-F238E27FC236}">
+                <a16:creationId xmlns:a16="http://schemas.microsoft.com/office/drawing/2014/main" id="{D9FF40A2-A36C-7E42-8E95-C9C68E5B99F0}"/>
+              </a:ext>
+            </a:extLst>
+          </p:cNvPr>
+          <p:cNvSpPr txBox="1"/>
+          <p:nvPr/>
+        </p:nvSpPr>
+        <p:spPr>
+          <a:xfrm>
+            <a:off x="10182476" y="0"/>
+            <a:ext cx="2009524" cy="307777"/>
+          </a:xfrm>
+          <a:prstGeom prst="rect">
+            <a:avLst/>
+          </a:prstGeom>
+          <a:noFill/>
+        </p:spPr>
+        <p:txBody>
+          <a:bodyPr wrap="none" rtlCol="0">
+            <a:spAutoFit/>
+          </a:bodyPr>
+          <a:lstStyle/>
+          <a:p>
+            <a:r>
+              <a:rPr lang="en-GB" sz="1400" dirty="0"/>
+              <a:t>B</a:t>
+            </a:r>
+            <a:r>
+              <a:rPr lang="en-FI" sz="1400" dirty="0"/>
+              <a:t>engtsson-Palme, 2018</a:t>
+            </a:r>
+          </a:p>
+        </p:txBody>
+      </p:sp>
     </p:spTree>
     <p:extLst>
       <p:ext uri="{BB962C8B-B14F-4D97-AF65-F5344CB8AC3E}">
@@ -4525,7 +5674,7 @@
           <p:cNvPr id="2" name="Title 1">
             <a:extLst>
               <a:ext uri="{FF2B5EF4-FFF2-40B4-BE49-F238E27FC236}">
-                <a16:creationId xmlns:a16="http://schemas.microsoft.com/office/drawing/2014/main" id="{22E2B447-CE45-3C40-9F54-ECB294187A6D}"/>
+                <a16:creationId xmlns:a16="http://schemas.microsoft.com/office/drawing/2014/main" id="{F755E547-D190-4E40-B267-36FB5C588C56}"/>
               </a:ext>
             </a:extLst>
           </p:cNvPr>
@@ -4536,24 +5685,38 @@
             <p:ph type="title"/>
           </p:nvPr>
         </p:nvSpPr>
-        <p:spPr/>
-        <p:txBody>
-          <a:bodyPr/>
-          <a:lstStyle/>
-          <a:p>
-            <a:r>
-              <a:rPr lang="en-FI" dirty="0"/>
-              <a:t>MEGAN</a:t>
-            </a:r>
-          </a:p>
-        </p:txBody>
-      </p:sp>
-      <p:sp>
-        <p:nvSpPr>
-          <p:cNvPr id="3" name="Content Placeholder 2">
-            <a:extLst>
-              <a:ext uri="{FF2B5EF4-FFF2-40B4-BE49-F238E27FC236}">
-                <a16:creationId xmlns:a16="http://schemas.microsoft.com/office/drawing/2014/main" id="{06FBD2D3-C431-0F47-8071-5CDB439D65AC}"/>
+        <p:spPr>
+          <a:xfrm>
+            <a:off x="720725" y="360363"/>
+            <a:ext cx="10799763" cy="1079500"/>
+          </a:xfrm>
+        </p:spPr>
+        <p:txBody>
+          <a:bodyPr>
+            <a:normAutofit fontScale="90000"/>
+          </a:bodyPr>
+          <a:lstStyle/>
+          <a:p>
+            <a:r>
+              <a:rPr lang="en-FI" dirty="0"/>
+              <a:t>Approaches to taxonomic profiling:</a:t>
+            </a:r>
+            <a:br>
+              <a:rPr lang="en-FI" dirty="0"/>
+            </a:br>
+            <a:r>
+              <a:rPr lang="en-FI" dirty="0"/>
+              <a:t>how to choose?</a:t>
+            </a:r>
+          </a:p>
+        </p:txBody>
+      </p:sp>
+      <p:sp>
+        <p:nvSpPr>
+          <p:cNvPr id="7" name="Content Placeholder 6">
+            <a:extLst>
+              <a:ext uri="{FF2B5EF4-FFF2-40B4-BE49-F238E27FC236}">
+                <a16:creationId xmlns:a16="http://schemas.microsoft.com/office/drawing/2014/main" id="{A395AA07-C220-D04E-8C74-1D5DEBFC3AE3}"/>
               </a:ext>
             </a:extLst>
           </p:cNvPr>
@@ -4564,20 +5727,43 @@
             <p:ph idx="1"/>
           </p:nvPr>
         </p:nvSpPr>
-        <p:spPr/>
-        <p:txBody>
-          <a:bodyPr/>
-          <a:lstStyle/>
-          <a:p>
-            <a:r>
-              <a:rPr lang="en-FI" dirty="0"/>
-              <a:t>DO a walkthrough with one sample</a:t>
-            </a:r>
-          </a:p>
-          <a:p>
-            <a:r>
-              <a:rPr lang="en-FI" dirty="0"/>
-              <a:t>Then they will do the other 4</a:t>
+        <p:spPr>
+          <a:xfrm>
+            <a:off x="720726" y="1619250"/>
+            <a:ext cx="4912324" cy="4321175"/>
+          </a:xfrm>
+        </p:spPr>
+        <p:txBody>
+          <a:bodyPr anchor="ctr">
+            <a:normAutofit/>
+          </a:bodyPr>
+          <a:lstStyle/>
+          <a:p>
+            <a:pPr marL="0" indent="0">
+              <a:buNone/>
+            </a:pPr>
+            <a:r>
+              <a:rPr lang="en-FI" dirty="0"/>
+              <a:t>Analysis of </a:t>
+            </a:r>
+            <a:r>
+              <a:rPr lang="en-FI" b="1" dirty="0">
+                <a:solidFill>
+                  <a:schemeClr val="accent6"/>
+                </a:solidFill>
+              </a:rPr>
+              <a:t>all reads </a:t>
+            </a:r>
+            <a:r>
+              <a:rPr lang="en-FI" dirty="0"/>
+              <a:t>suffer from limited databases of reference genomes</a:t>
+            </a:r>
+          </a:p>
+          <a:p>
+            <a:pPr lvl="1"/>
+            <a:r>
+              <a:rPr lang="en-FI" dirty="0"/>
+              <a:t>More suitable for environments that are better described (e.g. human gut)</a:t>
             </a:r>
           </a:p>
         </p:txBody>
@@ -4587,7 +5773,7 @@
           <p:cNvPr id="4" name="Slide Number Placeholder 3">
             <a:extLst>
               <a:ext uri="{FF2B5EF4-FFF2-40B4-BE49-F238E27FC236}">
-                <a16:creationId xmlns:a16="http://schemas.microsoft.com/office/drawing/2014/main" id="{B7B6CA03-ECEC-BC47-A332-3D9673FD400E}"/>
+                <a16:creationId xmlns:a16="http://schemas.microsoft.com/office/drawing/2014/main" id="{060483CF-85F6-A841-9A80-4A484B396570}"/>
               </a:ext>
             </a:extLst>
           </p:cNvPr>
@@ -4598,7 +5784,12 @@
             <p:ph type="sldNum" sz="quarter" idx="12"/>
           </p:nvPr>
         </p:nvSpPr>
-        <p:spPr/>
+        <p:spPr>
+          <a:xfrm>
+            <a:off x="11160000" y="6408000"/>
+            <a:ext cx="360000" cy="184666"/>
+          </a:xfrm>
+        </p:spPr>
         <p:txBody>
           <a:bodyPr/>
           <a:lstStyle/>
@@ -4612,10 +5803,236 @@
           </a:p>
         </p:txBody>
       </p:sp>
+      <p:sp>
+        <p:nvSpPr>
+          <p:cNvPr id="9" name="Content Placeholder 6">
+            <a:extLst>
+              <a:ext uri="{FF2B5EF4-FFF2-40B4-BE49-F238E27FC236}">
+                <a16:creationId xmlns:a16="http://schemas.microsoft.com/office/drawing/2014/main" id="{9430A951-A6E2-4B49-9ED3-4D73CD2AEE6B}"/>
+              </a:ext>
+            </a:extLst>
+          </p:cNvPr>
+          <p:cNvSpPr txBox="1">
+            <a:spLocks/>
+          </p:cNvSpPr>
+          <p:nvPr/>
+        </p:nvSpPr>
+        <p:spPr>
+          <a:xfrm>
+            <a:off x="6608164" y="1619250"/>
+            <a:ext cx="4912324" cy="4321175"/>
+          </a:xfrm>
+          <a:prstGeom prst="rect">
+            <a:avLst/>
+          </a:prstGeom>
+        </p:spPr>
+        <p:txBody>
+          <a:bodyPr vert="horz" lIns="0" tIns="0" rIns="0" bIns="0" rtlCol="0" anchor="ctr">
+            <a:normAutofit/>
+          </a:bodyPr>
+          <a:lstStyle>
+            <a:lvl1pPr marL="228600" indent="-228600" algn="l" defTabSz="914400" rtl="0" eaLnBrk="1" latinLnBrk="0" hangingPunct="1">
+              <a:lnSpc>
+                <a:spcPct val="90000"/>
+              </a:lnSpc>
+              <a:spcBef>
+                <a:spcPts val="1000"/>
+              </a:spcBef>
+              <a:buFont typeface="Arial" panose="020B0604020202020204" pitchFamily="34" charset="0"/>
+              <a:buChar char="•"/>
+              <a:defRPr sz="2800" kern="1200">
+                <a:solidFill>
+                  <a:schemeClr val="tx1"/>
+                </a:solidFill>
+                <a:latin typeface="+mn-lt"/>
+                <a:ea typeface="+mn-ea"/>
+                <a:cs typeface="+mn-cs"/>
+              </a:defRPr>
+            </a:lvl1pPr>
+            <a:lvl2pPr marL="685800" indent="-228600" algn="l" defTabSz="914400" rtl="0" eaLnBrk="1" latinLnBrk="0" hangingPunct="1">
+              <a:lnSpc>
+                <a:spcPct val="90000"/>
+              </a:lnSpc>
+              <a:spcBef>
+                <a:spcPts val="500"/>
+              </a:spcBef>
+              <a:buFont typeface="Arial" panose="020B0604020202020204" pitchFamily="34" charset="0"/>
+              <a:buChar char="•"/>
+              <a:tabLst/>
+              <a:defRPr sz="2400" kern="1200">
+                <a:solidFill>
+                  <a:schemeClr val="tx1"/>
+                </a:solidFill>
+                <a:latin typeface="+mn-lt"/>
+                <a:ea typeface="+mn-ea"/>
+                <a:cs typeface="+mn-cs"/>
+              </a:defRPr>
+            </a:lvl2pPr>
+            <a:lvl3pPr marL="1143000" indent="-228600" algn="l" defTabSz="914400" rtl="0" eaLnBrk="1" latinLnBrk="0" hangingPunct="1">
+              <a:lnSpc>
+                <a:spcPct val="90000"/>
+              </a:lnSpc>
+              <a:spcBef>
+                <a:spcPts val="500"/>
+              </a:spcBef>
+              <a:buFont typeface="Arial" panose="020B0604020202020204" pitchFamily="34" charset="0"/>
+              <a:buChar char="•"/>
+              <a:defRPr sz="2000" kern="1200">
+                <a:solidFill>
+                  <a:schemeClr val="tx1"/>
+                </a:solidFill>
+                <a:latin typeface="+mn-lt"/>
+                <a:ea typeface="+mn-ea"/>
+                <a:cs typeface="+mn-cs"/>
+              </a:defRPr>
+            </a:lvl3pPr>
+            <a:lvl4pPr marL="1600200" indent="-228600" algn="l" defTabSz="914400" rtl="0" eaLnBrk="1" latinLnBrk="0" hangingPunct="1">
+              <a:lnSpc>
+                <a:spcPct val="90000"/>
+              </a:lnSpc>
+              <a:spcBef>
+                <a:spcPts val="500"/>
+              </a:spcBef>
+              <a:buFont typeface="Arial" panose="020B0604020202020204" pitchFamily="34" charset="0"/>
+              <a:buChar char="•"/>
+              <a:defRPr sz="1800" kern="1200">
+                <a:solidFill>
+                  <a:schemeClr val="tx1"/>
+                </a:solidFill>
+                <a:latin typeface="+mn-lt"/>
+                <a:ea typeface="+mn-ea"/>
+                <a:cs typeface="+mn-cs"/>
+              </a:defRPr>
+            </a:lvl4pPr>
+            <a:lvl5pPr marL="2057400" indent="-228600" algn="l" defTabSz="914400" rtl="0" eaLnBrk="1" latinLnBrk="0" hangingPunct="1">
+              <a:lnSpc>
+                <a:spcPct val="90000"/>
+              </a:lnSpc>
+              <a:spcBef>
+                <a:spcPts val="500"/>
+              </a:spcBef>
+              <a:buFont typeface="Arial" panose="020B0604020202020204" pitchFamily="34" charset="0"/>
+              <a:buChar char="•"/>
+              <a:defRPr sz="1800" kern="1200">
+                <a:solidFill>
+                  <a:schemeClr val="tx1"/>
+                </a:solidFill>
+                <a:latin typeface="+mn-lt"/>
+                <a:ea typeface="+mn-ea"/>
+                <a:cs typeface="+mn-cs"/>
+              </a:defRPr>
+            </a:lvl5pPr>
+            <a:lvl6pPr marL="2514600" indent="-228600" algn="l" defTabSz="914400" rtl="0" eaLnBrk="1" latinLnBrk="0" hangingPunct="1">
+              <a:lnSpc>
+                <a:spcPct val="90000"/>
+              </a:lnSpc>
+              <a:spcBef>
+                <a:spcPts val="500"/>
+              </a:spcBef>
+              <a:buFont typeface="Arial" panose="020B0604020202020204" pitchFamily="34" charset="0"/>
+              <a:buChar char="•"/>
+              <a:defRPr sz="1800" kern="1200">
+                <a:solidFill>
+                  <a:schemeClr val="tx1"/>
+                </a:solidFill>
+                <a:latin typeface="+mn-lt"/>
+                <a:ea typeface="+mn-ea"/>
+                <a:cs typeface="+mn-cs"/>
+              </a:defRPr>
+            </a:lvl6pPr>
+            <a:lvl7pPr marL="2971800" indent="-228600" algn="l" defTabSz="914400" rtl="0" eaLnBrk="1" latinLnBrk="0" hangingPunct="1">
+              <a:lnSpc>
+                <a:spcPct val="90000"/>
+              </a:lnSpc>
+              <a:spcBef>
+                <a:spcPts val="500"/>
+              </a:spcBef>
+              <a:buFont typeface="Arial" panose="020B0604020202020204" pitchFamily="34" charset="0"/>
+              <a:buChar char="•"/>
+              <a:defRPr sz="1800" kern="1200">
+                <a:solidFill>
+                  <a:schemeClr val="tx1"/>
+                </a:solidFill>
+                <a:latin typeface="+mn-lt"/>
+                <a:ea typeface="+mn-ea"/>
+                <a:cs typeface="+mn-cs"/>
+              </a:defRPr>
+            </a:lvl7pPr>
+            <a:lvl8pPr marL="3429000" indent="-228600" algn="l" defTabSz="914400" rtl="0" eaLnBrk="1" latinLnBrk="0" hangingPunct="1">
+              <a:lnSpc>
+                <a:spcPct val="90000"/>
+              </a:lnSpc>
+              <a:spcBef>
+                <a:spcPts val="500"/>
+              </a:spcBef>
+              <a:buFont typeface="Arial" panose="020B0604020202020204" pitchFamily="34" charset="0"/>
+              <a:buChar char="•"/>
+              <a:defRPr sz="1800" kern="1200">
+                <a:solidFill>
+                  <a:schemeClr val="tx1"/>
+                </a:solidFill>
+                <a:latin typeface="+mn-lt"/>
+                <a:ea typeface="+mn-ea"/>
+                <a:cs typeface="+mn-cs"/>
+              </a:defRPr>
+            </a:lvl8pPr>
+            <a:lvl9pPr marL="3886200" indent="-228600" algn="l" defTabSz="914400" rtl="0" eaLnBrk="1" latinLnBrk="0" hangingPunct="1">
+              <a:lnSpc>
+                <a:spcPct val="90000"/>
+              </a:lnSpc>
+              <a:spcBef>
+                <a:spcPts val="500"/>
+              </a:spcBef>
+              <a:buFont typeface="Arial" panose="020B0604020202020204" pitchFamily="34" charset="0"/>
+              <a:buChar char="•"/>
+              <a:defRPr sz="1800" kern="1200">
+                <a:solidFill>
+                  <a:schemeClr val="tx1"/>
+                </a:solidFill>
+                <a:latin typeface="+mn-lt"/>
+                <a:ea typeface="+mn-ea"/>
+                <a:cs typeface="+mn-cs"/>
+              </a:defRPr>
+            </a:lvl9pPr>
+          </a:lstStyle>
+          <a:p>
+            <a:pPr marL="0" indent="0">
+              <a:buNone/>
+            </a:pPr>
+            <a:r>
+              <a:rPr lang="en-FI" dirty="0"/>
+              <a:t>Analysis of </a:t>
+            </a:r>
+            <a:r>
+              <a:rPr lang="en-FI" b="1" dirty="0">
+                <a:solidFill>
+                  <a:schemeClr val="accent6"/>
+                </a:solidFill>
+              </a:rPr>
+              <a:t>barcode genes </a:t>
+            </a:r>
+            <a:r>
+              <a:rPr lang="en-FI" dirty="0"/>
+              <a:t>suffer from lower resolution</a:t>
+            </a:r>
+          </a:p>
+          <a:p>
+            <a:pPr lvl="1"/>
+            <a:r>
+              <a:rPr lang="en-FI" dirty="0"/>
+              <a:t>More suitable for environments with a high fraction of unknown microorganisms (e.g. soil) </a:t>
+            </a:r>
+          </a:p>
+          <a:p>
+            <a:pPr lvl="1"/>
+            <a:endParaRPr lang="en-FI" dirty="0"/>
+          </a:p>
+        </p:txBody>
+      </p:sp>
     </p:spTree>
     <p:extLst>
       <p:ext uri="{BB962C8B-B14F-4D97-AF65-F5344CB8AC3E}">
-        <p14:creationId xmlns:p14="http://schemas.microsoft.com/office/powerpoint/2010/main" val="3445636372"/>
+        <p14:creationId xmlns:p14="http://schemas.microsoft.com/office/powerpoint/2010/main" val="2108738079"/>
       </p:ext>
     </p:extLst>
   </p:cSld>
@@ -4647,7 +6064,7 @@
           <p:cNvPr id="2" name="Title 1">
             <a:extLst>
               <a:ext uri="{FF2B5EF4-FFF2-40B4-BE49-F238E27FC236}">
-                <a16:creationId xmlns:a16="http://schemas.microsoft.com/office/drawing/2014/main" id="{B5AA065D-4884-E04B-BB6B-B688D8B7DC0C}"/>
+                <a16:creationId xmlns:a16="http://schemas.microsoft.com/office/drawing/2014/main" id="{F755E547-D190-4E40-B267-36FB5C588C56}"/>
               </a:ext>
             </a:extLst>
           </p:cNvPr>
@@ -4658,48 +6075,21 @@
             <p:ph type="title"/>
           </p:nvPr>
         </p:nvSpPr>
-        <p:spPr/>
-        <p:txBody>
-          <a:bodyPr/>
-          <a:lstStyle/>
-          <a:p>
-            <a:r>
-              <a:rPr lang="en-FI" dirty="0"/>
-              <a:t>Other alternatives</a:t>
-            </a:r>
-          </a:p>
-        </p:txBody>
-      </p:sp>
-      <p:sp>
-        <p:nvSpPr>
-          <p:cNvPr id="3" name="Content Placeholder 2">
-            <a:extLst>
-              <a:ext uri="{FF2B5EF4-FFF2-40B4-BE49-F238E27FC236}">
-                <a16:creationId xmlns:a16="http://schemas.microsoft.com/office/drawing/2014/main" id="{2921E877-47F4-9649-89C0-3EEAA4E2384F}"/>
-              </a:ext>
-            </a:extLst>
-          </p:cNvPr>
-          <p:cNvSpPr>
-            <a:spLocks noGrp="1"/>
-          </p:cNvSpPr>
-          <p:nvPr>
-            <p:ph idx="1"/>
-          </p:nvPr>
-        </p:nvSpPr>
-        <p:spPr/>
-        <p:txBody>
-          <a:bodyPr/>
-          <a:lstStyle/>
-          <a:p>
-            <a:r>
-              <a:rPr lang="en-FI" dirty="0"/>
-              <a:t>Humann</a:t>
-            </a:r>
-          </a:p>
-          <a:p>
-            <a:r>
-              <a:rPr lang="en-FI" dirty="0"/>
-              <a:t>Metaphlan</a:t>
+        <p:spPr>
+          <a:xfrm>
+            <a:off x="720000" y="360000"/>
+            <a:ext cx="5056040" cy="1080000"/>
+          </a:xfrm>
+        </p:spPr>
+        <p:txBody>
+          <a:bodyPr>
+            <a:normAutofit fontScale="90000"/>
+          </a:bodyPr>
+          <a:lstStyle/>
+          <a:p>
+            <a:r>
+              <a:rPr lang="en-FI" dirty="0"/>
+              <a:t>Approaches to functional profiling</a:t>
             </a:r>
           </a:p>
         </p:txBody>
@@ -4709,7 +6099,7 @@
           <p:cNvPr id="4" name="Slide Number Placeholder 3">
             <a:extLst>
               <a:ext uri="{FF2B5EF4-FFF2-40B4-BE49-F238E27FC236}">
-                <a16:creationId xmlns:a16="http://schemas.microsoft.com/office/drawing/2014/main" id="{56F4EE68-7C1A-6E4E-943E-4509F0D06502}"/>
+                <a16:creationId xmlns:a16="http://schemas.microsoft.com/office/drawing/2014/main" id="{060483CF-85F6-A841-9A80-4A484B396570}"/>
               </a:ext>
             </a:extLst>
           </p:cNvPr>
@@ -4734,10 +6124,137 @@
           </a:p>
         </p:txBody>
       </p:sp>
+      <p:sp>
+        <p:nvSpPr>
+          <p:cNvPr id="7" name="Content Placeholder 6">
+            <a:extLst>
+              <a:ext uri="{FF2B5EF4-FFF2-40B4-BE49-F238E27FC236}">
+                <a16:creationId xmlns:a16="http://schemas.microsoft.com/office/drawing/2014/main" id="{A395AA07-C220-D04E-8C74-1D5DEBFC3AE3}"/>
+              </a:ext>
+            </a:extLst>
+          </p:cNvPr>
+          <p:cNvSpPr>
+            <a:spLocks noGrp="1"/>
+          </p:cNvSpPr>
+          <p:nvPr>
+            <p:ph idx="1"/>
+          </p:nvPr>
+        </p:nvSpPr>
+        <p:spPr>
+          <a:xfrm>
+            <a:off x="719999" y="1620000"/>
+            <a:ext cx="5695961" cy="4320000"/>
+          </a:xfrm>
+        </p:spPr>
+        <p:txBody>
+          <a:bodyPr anchor="ctr">
+            <a:normAutofit/>
+          </a:bodyPr>
+          <a:lstStyle/>
+          <a:p>
+            <a:pPr marL="0" indent="0">
+              <a:buNone/>
+            </a:pPr>
+            <a:r>
+              <a:rPr lang="en-FI" dirty="0"/>
+              <a:t>Broad </a:t>
+            </a:r>
+            <a:r>
+              <a:rPr lang="en-FI" i="1" dirty="0"/>
+              <a:t>versus</a:t>
+            </a:r>
+            <a:r>
+              <a:rPr lang="en-FI" dirty="0"/>
+              <a:t> specific profiling</a:t>
+            </a:r>
+          </a:p>
+          <a:p>
+            <a:r>
+              <a:rPr lang="en-FI" dirty="0"/>
+              <a:t>Broad DBs: entire functional universe (e.g. KEGG, PFAM)</a:t>
+            </a:r>
+          </a:p>
+          <a:p>
+            <a:r>
+              <a:rPr lang="en-FI" dirty="0"/>
+              <a:t>Specific DBs: focusing on one or few processes (e.g. CAZy, CARD)</a:t>
+            </a:r>
+          </a:p>
+        </p:txBody>
+      </p:sp>
+      <p:sp>
+        <p:nvSpPr>
+          <p:cNvPr id="9" name="TextBox 8">
+            <a:extLst>
+              <a:ext uri="{FF2B5EF4-FFF2-40B4-BE49-F238E27FC236}">
+                <a16:creationId xmlns:a16="http://schemas.microsoft.com/office/drawing/2014/main" id="{7E77B43A-C5AF-5B47-8FFF-4C8B0BAF71E0}"/>
+              </a:ext>
+            </a:extLst>
+          </p:cNvPr>
+          <p:cNvSpPr txBox="1"/>
+          <p:nvPr/>
+        </p:nvSpPr>
+        <p:spPr>
+          <a:xfrm>
+            <a:off x="10182476" y="0"/>
+            <a:ext cx="2009524" cy="307777"/>
+          </a:xfrm>
+          <a:prstGeom prst="rect">
+            <a:avLst/>
+          </a:prstGeom>
+          <a:noFill/>
+        </p:spPr>
+        <p:txBody>
+          <a:bodyPr wrap="none" rtlCol="0">
+            <a:spAutoFit/>
+          </a:bodyPr>
+          <a:lstStyle/>
+          <a:p>
+            <a:r>
+              <a:rPr lang="en-GB" sz="1400" dirty="0"/>
+              <a:t>B</a:t>
+            </a:r>
+            <a:r>
+              <a:rPr lang="en-FI" sz="1400" dirty="0"/>
+              <a:t>engtsson-Palme, 2018</a:t>
+            </a:r>
+          </a:p>
+        </p:txBody>
+      </p:sp>
+      <p:pic>
+        <p:nvPicPr>
+          <p:cNvPr id="3" name="Picture 2">
+            <a:extLst>
+              <a:ext uri="{FF2B5EF4-FFF2-40B4-BE49-F238E27FC236}">
+                <a16:creationId xmlns:a16="http://schemas.microsoft.com/office/drawing/2014/main" id="{B1F74C41-D3E5-914C-A815-C8D9F8FBB9F2}"/>
+              </a:ext>
+            </a:extLst>
+          </p:cNvPr>
+          <p:cNvPicPr>
+            <a:picLocks noChangeAspect="1"/>
+          </p:cNvPicPr>
+          <p:nvPr/>
+        </p:nvPicPr>
+        <p:blipFill>
+          <a:blip r:embed="rId2"/>
+          <a:stretch>
+            <a:fillRect/>
+          </a:stretch>
+        </p:blipFill>
+        <p:spPr>
+          <a:xfrm>
+            <a:off x="6415961" y="360425"/>
+            <a:ext cx="5104040" cy="5580000"/>
+          </a:xfrm>
+          <a:prstGeom prst="rect">
+            <a:avLst/>
+          </a:prstGeom>
+        </p:spPr>
+      </p:pic>
     </p:spTree>
     <p:extLst>
       <p:ext uri="{BB962C8B-B14F-4D97-AF65-F5344CB8AC3E}">
-        <p14:creationId xmlns:p14="http://schemas.microsoft.com/office/powerpoint/2010/main" val="4060858736"/>
+        <p14:creationId xmlns:p14="http://schemas.microsoft.com/office/powerpoint/2010/main" val="1888659183"/>
       </p:ext>
     </p:extLst>
   </p:cSld>
@@ -4769,7 +6286,7 @@
           <p:cNvPr id="2" name="Title 1">
             <a:extLst>
               <a:ext uri="{FF2B5EF4-FFF2-40B4-BE49-F238E27FC236}">
-                <a16:creationId xmlns:a16="http://schemas.microsoft.com/office/drawing/2014/main" id="{8583A7C9-C689-AD44-94C5-F877F200184A}"/>
+                <a16:creationId xmlns:a16="http://schemas.microsoft.com/office/drawing/2014/main" id="{F755E547-D190-4E40-B267-36FB5C588C56}"/>
               </a:ext>
             </a:extLst>
           </p:cNvPr>
@@ -4780,24 +6297,38 @@
             <p:ph type="title"/>
           </p:nvPr>
         </p:nvSpPr>
-        <p:spPr/>
-        <p:txBody>
-          <a:bodyPr/>
-          <a:lstStyle/>
-          <a:p>
-            <a:r>
-              <a:rPr lang="en-FI" dirty="0"/>
-              <a:t>Further reading</a:t>
-            </a:r>
-          </a:p>
-        </p:txBody>
-      </p:sp>
-      <p:sp>
-        <p:nvSpPr>
-          <p:cNvPr id="3" name="Content Placeholder 2">
-            <a:extLst>
-              <a:ext uri="{FF2B5EF4-FFF2-40B4-BE49-F238E27FC236}">
-                <a16:creationId xmlns:a16="http://schemas.microsoft.com/office/drawing/2014/main" id="{3F478DDA-13F1-C64B-8F00-08C16CF85BF1}"/>
+        <p:spPr>
+          <a:xfrm>
+            <a:off x="720725" y="360363"/>
+            <a:ext cx="10799763" cy="1079500"/>
+          </a:xfrm>
+        </p:spPr>
+        <p:txBody>
+          <a:bodyPr>
+            <a:normAutofit fontScale="90000"/>
+          </a:bodyPr>
+          <a:lstStyle/>
+          <a:p>
+            <a:r>
+              <a:rPr lang="en-FI" dirty="0"/>
+              <a:t>Approaches to functional profiling:</a:t>
+            </a:r>
+            <a:br>
+              <a:rPr lang="en-FI" dirty="0"/>
+            </a:br>
+            <a:r>
+              <a:rPr lang="en-FI" dirty="0"/>
+              <a:t>how to choose?</a:t>
+            </a:r>
+          </a:p>
+        </p:txBody>
+      </p:sp>
+      <p:sp>
+        <p:nvSpPr>
+          <p:cNvPr id="7" name="Content Placeholder 6">
+            <a:extLst>
+              <a:ext uri="{FF2B5EF4-FFF2-40B4-BE49-F238E27FC236}">
+                <a16:creationId xmlns:a16="http://schemas.microsoft.com/office/drawing/2014/main" id="{A395AA07-C220-D04E-8C74-1D5DEBFC3AE3}"/>
               </a:ext>
             </a:extLst>
           </p:cNvPr>
@@ -4808,51 +6339,40 @@
             <p:ph idx="1"/>
           </p:nvPr>
         </p:nvSpPr>
-        <p:spPr/>
-        <p:txBody>
-          <a:bodyPr/>
-          <a:lstStyle/>
-          <a:p>
-            <a:r>
-              <a:rPr lang="en-GB" dirty="0">
-                <a:hlinkClick r:id="rId2"/>
+        <p:spPr>
+          <a:xfrm>
+            <a:off x="720726" y="1619250"/>
+            <a:ext cx="4912324" cy="4321175"/>
+          </a:xfrm>
+        </p:spPr>
+        <p:txBody>
+          <a:bodyPr anchor="ctr">
+            <a:normAutofit/>
+          </a:bodyPr>
+          <a:lstStyle/>
+          <a:p>
+            <a:pPr marL="0" indent="0">
+              <a:buNone/>
+            </a:pPr>
+            <a:r>
+              <a:rPr lang="en-FI" b="1" dirty="0">
+                <a:solidFill>
+                  <a:schemeClr val="accent6"/>
+                </a:solidFill>
               </a:rPr>
-              <a:t>https://www.nature.com/articles/nbt.3935</a:t>
-            </a:r>
-            <a:endParaRPr lang="en-GB" dirty="0"/>
-          </a:p>
-          <a:p>
-            <a:r>
-              <a:rPr lang="en-GB" dirty="0">
-                <a:hlinkClick r:id="rId3"/>
-              </a:rPr>
-              <a:t>https://www.sciencedirect.com/science/article/pii/B9780081022689000033</a:t>
-            </a:r>
-            <a:r>
-              <a:rPr lang="en-GB" dirty="0"/>
-              <a:t> </a:t>
-            </a:r>
-          </a:p>
-          <a:p>
-            <a:endParaRPr lang="en-GB" dirty="0"/>
-          </a:p>
-          <a:p>
-            <a:r>
-              <a:rPr lang="en-GB" dirty="0"/>
-              <a:t>If you don’t have access to these, let me know</a:t>
+              <a:t>Broad databases </a:t>
+            </a:r>
+            <a:r>
+              <a:rPr lang="en-FI" dirty="0"/>
+              <a:t>give an overview of the functional potential of microbial communities</a:t>
             </a:r>
           </a:p>
           <a:p>
             <a:pPr lvl="1"/>
             <a:r>
-              <a:rPr lang="en-GB" dirty="0" err="1"/>
-              <a:t>SciHub</a:t>
-            </a:r>
-            <a:r>
-              <a:rPr lang="en-GB" dirty="0"/>
-              <a:t>, cough cough</a:t>
-            </a:r>
-            <a:endParaRPr lang="en-FI" dirty="0"/>
+              <a:rPr lang="en-FI" dirty="0"/>
+              <a:t>Suitable for investigating major differences across environments</a:t>
+            </a:r>
           </a:p>
         </p:txBody>
       </p:sp>
@@ -4861,7 +6381,7 @@
           <p:cNvPr id="4" name="Slide Number Placeholder 3">
             <a:extLst>
               <a:ext uri="{FF2B5EF4-FFF2-40B4-BE49-F238E27FC236}">
-                <a16:creationId xmlns:a16="http://schemas.microsoft.com/office/drawing/2014/main" id="{26ED56FC-E1B8-8F49-8995-A2568B892DA6}"/>
+                <a16:creationId xmlns:a16="http://schemas.microsoft.com/office/drawing/2014/main" id="{060483CF-85F6-A841-9A80-4A484B396570}"/>
               </a:ext>
             </a:extLst>
           </p:cNvPr>
@@ -4872,7 +6392,12 @@
             <p:ph type="sldNum" sz="quarter" idx="12"/>
           </p:nvPr>
         </p:nvSpPr>
-        <p:spPr/>
+        <p:spPr>
+          <a:xfrm>
+            <a:off x="11160000" y="6408000"/>
+            <a:ext cx="360000" cy="184666"/>
+          </a:xfrm>
+        </p:spPr>
         <p:txBody>
           <a:bodyPr/>
           <a:lstStyle/>
@@ -4886,10 +6411,555 @@
           </a:p>
         </p:txBody>
       </p:sp>
+      <p:sp>
+        <p:nvSpPr>
+          <p:cNvPr id="9" name="Content Placeholder 6">
+            <a:extLst>
+              <a:ext uri="{FF2B5EF4-FFF2-40B4-BE49-F238E27FC236}">
+                <a16:creationId xmlns:a16="http://schemas.microsoft.com/office/drawing/2014/main" id="{9430A951-A6E2-4B49-9ED3-4D73CD2AEE6B}"/>
+              </a:ext>
+            </a:extLst>
+          </p:cNvPr>
+          <p:cNvSpPr txBox="1">
+            <a:spLocks/>
+          </p:cNvSpPr>
+          <p:nvPr/>
+        </p:nvSpPr>
+        <p:spPr>
+          <a:xfrm>
+            <a:off x="6608164" y="1619250"/>
+            <a:ext cx="4912324" cy="4321175"/>
+          </a:xfrm>
+          <a:prstGeom prst="rect">
+            <a:avLst/>
+          </a:prstGeom>
+        </p:spPr>
+        <p:txBody>
+          <a:bodyPr vert="horz" lIns="0" tIns="0" rIns="0" bIns="0" rtlCol="0" anchor="ctr">
+            <a:normAutofit/>
+          </a:bodyPr>
+          <a:lstStyle>
+            <a:lvl1pPr marL="228600" indent="-228600" algn="l" defTabSz="914400" rtl="0" eaLnBrk="1" latinLnBrk="0" hangingPunct="1">
+              <a:lnSpc>
+                <a:spcPct val="90000"/>
+              </a:lnSpc>
+              <a:spcBef>
+                <a:spcPts val="1000"/>
+              </a:spcBef>
+              <a:buFont typeface="Arial" panose="020B0604020202020204" pitchFamily="34" charset="0"/>
+              <a:buChar char="•"/>
+              <a:defRPr sz="2800" kern="1200">
+                <a:solidFill>
+                  <a:schemeClr val="tx1"/>
+                </a:solidFill>
+                <a:latin typeface="+mn-lt"/>
+                <a:ea typeface="+mn-ea"/>
+                <a:cs typeface="+mn-cs"/>
+              </a:defRPr>
+            </a:lvl1pPr>
+            <a:lvl2pPr marL="685800" indent="-228600" algn="l" defTabSz="914400" rtl="0" eaLnBrk="1" latinLnBrk="0" hangingPunct="1">
+              <a:lnSpc>
+                <a:spcPct val="90000"/>
+              </a:lnSpc>
+              <a:spcBef>
+                <a:spcPts val="500"/>
+              </a:spcBef>
+              <a:buFont typeface="Arial" panose="020B0604020202020204" pitchFamily="34" charset="0"/>
+              <a:buChar char="•"/>
+              <a:tabLst/>
+              <a:defRPr sz="2400" kern="1200">
+                <a:solidFill>
+                  <a:schemeClr val="tx1"/>
+                </a:solidFill>
+                <a:latin typeface="+mn-lt"/>
+                <a:ea typeface="+mn-ea"/>
+                <a:cs typeface="+mn-cs"/>
+              </a:defRPr>
+            </a:lvl2pPr>
+            <a:lvl3pPr marL="1143000" indent="-228600" algn="l" defTabSz="914400" rtl="0" eaLnBrk="1" latinLnBrk="0" hangingPunct="1">
+              <a:lnSpc>
+                <a:spcPct val="90000"/>
+              </a:lnSpc>
+              <a:spcBef>
+                <a:spcPts val="500"/>
+              </a:spcBef>
+              <a:buFont typeface="Arial" panose="020B0604020202020204" pitchFamily="34" charset="0"/>
+              <a:buChar char="•"/>
+              <a:defRPr sz="2000" kern="1200">
+                <a:solidFill>
+                  <a:schemeClr val="tx1"/>
+                </a:solidFill>
+                <a:latin typeface="+mn-lt"/>
+                <a:ea typeface="+mn-ea"/>
+                <a:cs typeface="+mn-cs"/>
+              </a:defRPr>
+            </a:lvl3pPr>
+            <a:lvl4pPr marL="1600200" indent="-228600" algn="l" defTabSz="914400" rtl="0" eaLnBrk="1" latinLnBrk="0" hangingPunct="1">
+              <a:lnSpc>
+                <a:spcPct val="90000"/>
+              </a:lnSpc>
+              <a:spcBef>
+                <a:spcPts val="500"/>
+              </a:spcBef>
+              <a:buFont typeface="Arial" panose="020B0604020202020204" pitchFamily="34" charset="0"/>
+              <a:buChar char="•"/>
+              <a:defRPr sz="1800" kern="1200">
+                <a:solidFill>
+                  <a:schemeClr val="tx1"/>
+                </a:solidFill>
+                <a:latin typeface="+mn-lt"/>
+                <a:ea typeface="+mn-ea"/>
+                <a:cs typeface="+mn-cs"/>
+              </a:defRPr>
+            </a:lvl4pPr>
+            <a:lvl5pPr marL="2057400" indent="-228600" algn="l" defTabSz="914400" rtl="0" eaLnBrk="1" latinLnBrk="0" hangingPunct="1">
+              <a:lnSpc>
+                <a:spcPct val="90000"/>
+              </a:lnSpc>
+              <a:spcBef>
+                <a:spcPts val="500"/>
+              </a:spcBef>
+              <a:buFont typeface="Arial" panose="020B0604020202020204" pitchFamily="34" charset="0"/>
+              <a:buChar char="•"/>
+              <a:defRPr sz="1800" kern="1200">
+                <a:solidFill>
+                  <a:schemeClr val="tx1"/>
+                </a:solidFill>
+                <a:latin typeface="+mn-lt"/>
+                <a:ea typeface="+mn-ea"/>
+                <a:cs typeface="+mn-cs"/>
+              </a:defRPr>
+            </a:lvl5pPr>
+            <a:lvl6pPr marL="2514600" indent="-228600" algn="l" defTabSz="914400" rtl="0" eaLnBrk="1" latinLnBrk="0" hangingPunct="1">
+              <a:lnSpc>
+                <a:spcPct val="90000"/>
+              </a:lnSpc>
+              <a:spcBef>
+                <a:spcPts val="500"/>
+              </a:spcBef>
+              <a:buFont typeface="Arial" panose="020B0604020202020204" pitchFamily="34" charset="0"/>
+              <a:buChar char="•"/>
+              <a:defRPr sz="1800" kern="1200">
+                <a:solidFill>
+                  <a:schemeClr val="tx1"/>
+                </a:solidFill>
+                <a:latin typeface="+mn-lt"/>
+                <a:ea typeface="+mn-ea"/>
+                <a:cs typeface="+mn-cs"/>
+              </a:defRPr>
+            </a:lvl6pPr>
+            <a:lvl7pPr marL="2971800" indent="-228600" algn="l" defTabSz="914400" rtl="0" eaLnBrk="1" latinLnBrk="0" hangingPunct="1">
+              <a:lnSpc>
+                <a:spcPct val="90000"/>
+              </a:lnSpc>
+              <a:spcBef>
+                <a:spcPts val="500"/>
+              </a:spcBef>
+              <a:buFont typeface="Arial" panose="020B0604020202020204" pitchFamily="34" charset="0"/>
+              <a:buChar char="•"/>
+              <a:defRPr sz="1800" kern="1200">
+                <a:solidFill>
+                  <a:schemeClr val="tx1"/>
+                </a:solidFill>
+                <a:latin typeface="+mn-lt"/>
+                <a:ea typeface="+mn-ea"/>
+                <a:cs typeface="+mn-cs"/>
+              </a:defRPr>
+            </a:lvl7pPr>
+            <a:lvl8pPr marL="3429000" indent="-228600" algn="l" defTabSz="914400" rtl="0" eaLnBrk="1" latinLnBrk="0" hangingPunct="1">
+              <a:lnSpc>
+                <a:spcPct val="90000"/>
+              </a:lnSpc>
+              <a:spcBef>
+                <a:spcPts val="500"/>
+              </a:spcBef>
+              <a:buFont typeface="Arial" panose="020B0604020202020204" pitchFamily="34" charset="0"/>
+              <a:buChar char="•"/>
+              <a:defRPr sz="1800" kern="1200">
+                <a:solidFill>
+                  <a:schemeClr val="tx1"/>
+                </a:solidFill>
+                <a:latin typeface="+mn-lt"/>
+                <a:ea typeface="+mn-ea"/>
+                <a:cs typeface="+mn-cs"/>
+              </a:defRPr>
+            </a:lvl8pPr>
+            <a:lvl9pPr marL="3886200" indent="-228600" algn="l" defTabSz="914400" rtl="0" eaLnBrk="1" latinLnBrk="0" hangingPunct="1">
+              <a:lnSpc>
+                <a:spcPct val="90000"/>
+              </a:lnSpc>
+              <a:spcBef>
+                <a:spcPts val="500"/>
+              </a:spcBef>
+              <a:buFont typeface="Arial" panose="020B0604020202020204" pitchFamily="34" charset="0"/>
+              <a:buChar char="•"/>
+              <a:defRPr sz="1800" kern="1200">
+                <a:solidFill>
+                  <a:schemeClr val="tx1"/>
+                </a:solidFill>
+                <a:latin typeface="+mn-lt"/>
+                <a:ea typeface="+mn-ea"/>
+                <a:cs typeface="+mn-cs"/>
+              </a:defRPr>
+            </a:lvl9pPr>
+          </a:lstStyle>
+          <a:p>
+            <a:pPr marL="0" indent="0">
+              <a:buNone/>
+            </a:pPr>
+            <a:r>
+              <a:rPr lang="en-FI" b="1" dirty="0">
+                <a:solidFill>
+                  <a:schemeClr val="accent6"/>
+                </a:solidFill>
+              </a:rPr>
+              <a:t>Specific databases </a:t>
+            </a:r>
+            <a:r>
+              <a:rPr lang="en-FI" dirty="0"/>
+              <a:t>are often highly curated and can give substrate-level information</a:t>
+            </a:r>
+          </a:p>
+          <a:p>
+            <a:pPr lvl="1"/>
+            <a:r>
+              <a:rPr lang="en-FI" dirty="0"/>
+              <a:t>Suitable for investigating e.g. gene variants across environments</a:t>
+            </a:r>
+          </a:p>
+          <a:p>
+            <a:pPr lvl="1"/>
+            <a:endParaRPr lang="en-FI" dirty="0"/>
+          </a:p>
+        </p:txBody>
+      </p:sp>
     </p:spTree>
     <p:extLst>
       <p:ext uri="{BB962C8B-B14F-4D97-AF65-F5344CB8AC3E}">
-        <p14:creationId xmlns:p14="http://schemas.microsoft.com/office/powerpoint/2010/main" val="4252474695"/>
+        <p14:creationId xmlns:p14="http://schemas.microsoft.com/office/powerpoint/2010/main" val="411404225"/>
+      </p:ext>
+    </p:extLst>
+  </p:cSld>
+  <p:clrMapOvr>
+    <a:masterClrMapping/>
+  </p:clrMapOvr>
+</p:sld>
+</file>
+
+<file path=ppt/slides/slide8.xml><?xml version="1.0" encoding="utf-8"?>
+<p:sld xmlns:a="http://schemas.openxmlformats.org/drawingml/2006/main" xmlns:r="http://schemas.openxmlformats.org/officeDocument/2006/relationships" xmlns:p="http://schemas.openxmlformats.org/presentationml/2006/main">
+  <p:cSld>
+    <p:spTree>
+      <p:nvGrpSpPr>
+        <p:cNvPr id="1" name=""/>
+        <p:cNvGrpSpPr/>
+        <p:nvPr/>
+      </p:nvGrpSpPr>
+      <p:grpSpPr>
+        <a:xfrm>
+          <a:off x="0" y="0"/>
+          <a:ext cx="0" cy="0"/>
+          <a:chOff x="0" y="0"/>
+          <a:chExt cx="0" cy="0"/>
+        </a:xfrm>
+      </p:grpSpPr>
+      <p:sp>
+        <p:nvSpPr>
+          <p:cNvPr id="2" name="Title 1">
+            <a:extLst>
+              <a:ext uri="{FF2B5EF4-FFF2-40B4-BE49-F238E27FC236}">
+                <a16:creationId xmlns:a16="http://schemas.microsoft.com/office/drawing/2014/main" id="{B9E32058-1722-C444-A580-B41401A9632F}"/>
+              </a:ext>
+            </a:extLst>
+          </p:cNvPr>
+          <p:cNvSpPr>
+            <a:spLocks noGrp="1"/>
+          </p:cNvSpPr>
+          <p:nvPr>
+            <p:ph type="title"/>
+          </p:nvPr>
+        </p:nvSpPr>
+        <p:spPr/>
+        <p:txBody>
+          <a:bodyPr/>
+          <a:lstStyle/>
+          <a:p>
+            <a:r>
+              <a:rPr lang="en-FI" dirty="0"/>
+              <a:t>Things to pay attention</a:t>
+            </a:r>
+          </a:p>
+        </p:txBody>
+      </p:sp>
+      <p:sp>
+        <p:nvSpPr>
+          <p:cNvPr id="3" name="Content Placeholder 2">
+            <a:extLst>
+              <a:ext uri="{FF2B5EF4-FFF2-40B4-BE49-F238E27FC236}">
+                <a16:creationId xmlns:a16="http://schemas.microsoft.com/office/drawing/2014/main" id="{FA2A880B-B69D-E049-89C8-D6579993D6CE}"/>
+              </a:ext>
+            </a:extLst>
+          </p:cNvPr>
+          <p:cNvSpPr>
+            <a:spLocks noGrp="1"/>
+          </p:cNvSpPr>
+          <p:nvPr>
+            <p:ph idx="1"/>
+          </p:nvPr>
+        </p:nvSpPr>
+        <p:spPr/>
+        <p:txBody>
+          <a:bodyPr/>
+          <a:lstStyle/>
+          <a:p>
+            <a:r>
+              <a:rPr lang="en-FI" dirty="0"/>
+              <a:t>Curation level of the database</a:t>
+            </a:r>
+          </a:p>
+          <a:p>
+            <a:pPr lvl="1"/>
+            <a:r>
+              <a:rPr lang="en-FI" dirty="0"/>
+              <a:t>Are sequences verified experimentally to perform the expected function?</a:t>
+            </a:r>
+          </a:p>
+          <a:p>
+            <a:r>
+              <a:rPr lang="en-FI" dirty="0"/>
+              <a:t>Comprehensiveness of the database</a:t>
+            </a:r>
+          </a:p>
+          <a:p>
+            <a:pPr lvl="1"/>
+            <a:r>
+              <a:rPr lang="en-FI" dirty="0"/>
+              <a:t>Both taxonomic- and functionally</a:t>
+            </a:r>
+          </a:p>
+          <a:p>
+            <a:r>
+              <a:rPr lang="en-FI" dirty="0"/>
+              <a:t>Speed </a:t>
+            </a:r>
+            <a:r>
+              <a:rPr lang="en-FI" i="1" dirty="0"/>
+              <a:t>versus</a:t>
+            </a:r>
+            <a:r>
+              <a:rPr lang="en-FI" dirty="0"/>
+              <a:t> sensitivity tradeoff</a:t>
+            </a:r>
+          </a:p>
+          <a:p>
+            <a:pPr lvl="1"/>
+            <a:r>
+              <a:rPr lang="en-FI" dirty="0"/>
+              <a:t>E.g. BLAST </a:t>
+            </a:r>
+            <a:r>
+              <a:rPr lang="en-FI" i="1" dirty="0"/>
+              <a:t>versus</a:t>
+            </a:r>
+            <a:r>
+              <a:rPr lang="en-FI" dirty="0"/>
+              <a:t> DIAMOND</a:t>
+            </a:r>
+          </a:p>
+          <a:p>
+            <a:r>
+              <a:rPr lang="en-FI" dirty="0"/>
+              <a:t>Choice of identity, bitscore/e-value and coverage cutoffs</a:t>
+            </a:r>
+          </a:p>
+          <a:p>
+            <a:pPr lvl="1"/>
+            <a:r>
+              <a:rPr lang="en-FI" dirty="0"/>
+              <a:t>No way to generalise for all genes, things have to be checked more or less manually, e.g. by looking at the literature for the gene</a:t>
+            </a:r>
+          </a:p>
+        </p:txBody>
+      </p:sp>
+      <p:sp>
+        <p:nvSpPr>
+          <p:cNvPr id="4" name="Slide Number Placeholder 3">
+            <a:extLst>
+              <a:ext uri="{FF2B5EF4-FFF2-40B4-BE49-F238E27FC236}">
+                <a16:creationId xmlns:a16="http://schemas.microsoft.com/office/drawing/2014/main" id="{81D4BA2C-562E-4249-AA36-41D33734F089}"/>
+              </a:ext>
+            </a:extLst>
+          </p:cNvPr>
+          <p:cNvSpPr>
+            <a:spLocks noGrp="1"/>
+          </p:cNvSpPr>
+          <p:nvPr>
+            <p:ph type="sldNum" sz="quarter" idx="12"/>
+          </p:nvPr>
+        </p:nvSpPr>
+        <p:spPr/>
+        <p:txBody>
+          <a:bodyPr/>
+          <a:lstStyle/>
+          <a:p>
+            <a:fld id="{5FC59AFD-CA80-9744-9172-B252E7612A2E}" type="slidenum">
+              <a:rPr lang="en-FI" smtClean="0"/>
+              <a:pPr/>
+              <a:t>8</a:t>
+            </a:fld>
+            <a:endParaRPr lang="en-FI" dirty="0"/>
+          </a:p>
+        </p:txBody>
+      </p:sp>
+    </p:spTree>
+    <p:extLst>
+      <p:ext uri="{BB962C8B-B14F-4D97-AF65-F5344CB8AC3E}">
+        <p14:creationId xmlns:p14="http://schemas.microsoft.com/office/powerpoint/2010/main" val="376277085"/>
+      </p:ext>
+    </p:extLst>
+  </p:cSld>
+  <p:clrMapOvr>
+    <a:masterClrMapping/>
+  </p:clrMapOvr>
+</p:sld>
+</file>
+
+<file path=ppt/slides/slide9.xml><?xml version="1.0" encoding="utf-8"?>
+<p:sld xmlns:a="http://schemas.openxmlformats.org/drawingml/2006/main" xmlns:r="http://schemas.openxmlformats.org/officeDocument/2006/relationships" xmlns:p="http://schemas.openxmlformats.org/presentationml/2006/main">
+  <p:cSld>
+    <p:spTree>
+      <p:nvGrpSpPr>
+        <p:cNvPr id="1" name=""/>
+        <p:cNvGrpSpPr/>
+        <p:nvPr/>
+      </p:nvGrpSpPr>
+      <p:grpSpPr>
+        <a:xfrm>
+          <a:off x="0" y="0"/>
+          <a:ext cx="0" cy="0"/>
+          <a:chOff x="0" y="0"/>
+          <a:chExt cx="0" cy="0"/>
+        </a:xfrm>
+      </p:grpSpPr>
+      <p:sp>
+        <p:nvSpPr>
+          <p:cNvPr id="2" name="Title 1">
+            <a:extLst>
+              <a:ext uri="{FF2B5EF4-FFF2-40B4-BE49-F238E27FC236}">
+                <a16:creationId xmlns:a16="http://schemas.microsoft.com/office/drawing/2014/main" id="{01B9EA39-78F6-ED4E-9BE7-7C2EE721A9B1}"/>
+              </a:ext>
+            </a:extLst>
+          </p:cNvPr>
+          <p:cNvSpPr>
+            <a:spLocks noGrp="1"/>
+          </p:cNvSpPr>
+          <p:nvPr>
+            <p:ph type="title"/>
+          </p:nvPr>
+        </p:nvSpPr>
+        <p:spPr/>
+        <p:txBody>
+          <a:bodyPr/>
+          <a:lstStyle/>
+          <a:p>
+            <a:r>
+              <a:rPr lang="en-FI" dirty="0"/>
+              <a:t>Always sanity check</a:t>
+            </a:r>
+          </a:p>
+        </p:txBody>
+      </p:sp>
+      <p:sp>
+        <p:nvSpPr>
+          <p:cNvPr id="3" name="Content Placeholder 2">
+            <a:extLst>
+              <a:ext uri="{FF2B5EF4-FFF2-40B4-BE49-F238E27FC236}">
+                <a16:creationId xmlns:a16="http://schemas.microsoft.com/office/drawing/2014/main" id="{D9C6B79B-ADD1-8544-8F53-D757078FFB03}"/>
+              </a:ext>
+            </a:extLst>
+          </p:cNvPr>
+          <p:cNvSpPr>
+            <a:spLocks noGrp="1"/>
+          </p:cNvSpPr>
+          <p:nvPr>
+            <p:ph idx="1"/>
+          </p:nvPr>
+        </p:nvSpPr>
+        <p:spPr/>
+        <p:txBody>
+          <a:bodyPr/>
+          <a:lstStyle/>
+          <a:p>
+            <a:r>
+              <a:rPr lang="en-FI" dirty="0"/>
+              <a:t>Especially for “bold” and unexpected findings:</a:t>
+            </a:r>
+          </a:p>
+          <a:p>
+            <a:pPr lvl="1"/>
+            <a:r>
+              <a:rPr lang="en-FI" dirty="0"/>
+              <a:t>Redo with more strict thresholds</a:t>
+            </a:r>
+          </a:p>
+          <a:p>
+            <a:pPr lvl="1"/>
+            <a:r>
+              <a:rPr lang="en-FI" dirty="0"/>
+              <a:t>Redo with a different tool (e.g. BLAST </a:t>
+            </a:r>
+            <a:r>
+              <a:rPr lang="en-FI" i="1" dirty="0"/>
+              <a:t>versus</a:t>
+            </a:r>
+            <a:r>
+              <a:rPr lang="en-FI" dirty="0"/>
+              <a:t> DIAMOND)</a:t>
+            </a:r>
+          </a:p>
+          <a:p>
+            <a:pPr lvl="1"/>
+            <a:r>
+              <a:rPr lang="en-FI" dirty="0"/>
+              <a:t>Investigate other genes belonging to the same pathway</a:t>
+            </a:r>
+          </a:p>
+        </p:txBody>
+      </p:sp>
+      <p:sp>
+        <p:nvSpPr>
+          <p:cNvPr id="4" name="Slide Number Placeholder 3">
+            <a:extLst>
+              <a:ext uri="{FF2B5EF4-FFF2-40B4-BE49-F238E27FC236}">
+                <a16:creationId xmlns:a16="http://schemas.microsoft.com/office/drawing/2014/main" id="{80750CEF-42EC-CA4B-91B9-5242C2878AA5}"/>
+              </a:ext>
+            </a:extLst>
+          </p:cNvPr>
+          <p:cNvSpPr>
+            <a:spLocks noGrp="1"/>
+          </p:cNvSpPr>
+          <p:nvPr>
+            <p:ph type="sldNum" sz="quarter" idx="12"/>
+          </p:nvPr>
+        </p:nvSpPr>
+        <p:spPr/>
+        <p:txBody>
+          <a:bodyPr/>
+          <a:lstStyle/>
+          <a:p>
+            <a:fld id="{5FC59AFD-CA80-9744-9172-B252E7612A2E}" type="slidenum">
+              <a:rPr lang="en-FI" smtClean="0"/>
+              <a:pPr/>
+              <a:t>9</a:t>
+            </a:fld>
+            <a:endParaRPr lang="en-FI" dirty="0"/>
+          </a:p>
+        </p:txBody>
+      </p:sp>
+    </p:spTree>
+    <p:extLst>
+      <p:ext uri="{BB962C8B-B14F-4D97-AF65-F5344CB8AC3E}">
+        <p14:creationId xmlns:p14="http://schemas.microsoft.com/office/powerpoint/2010/main" val="3507585743"/>
       </p:ext>
     </p:extLst>
   </p:cSld>
